--- a/project_01/docs/Erber_ENGI301_project_01_proposal.pptx
+++ b/project_01/docs/Erber_ENGI301_project_01_proposal.pptx
@@ -140,7 +140,7 @@
 <file path=ppt/revisionInfo.xml><?xml version="1.0" encoding="utf-8"?>
 <p1510:revInfo xmlns:a="http://schemas.openxmlformats.org/drawingml/2006/main" xmlns:r="http://schemas.openxmlformats.org/officeDocument/2006/relationships" xmlns:p1510="http://schemas.microsoft.com/office/powerpoint/2015/10/main">
   <p1510:revLst>
-    <p1510:client id="{4E1B7B9D-6923-4885-9D2D-52CA2719BE25}" v="132" dt="2024-02-20T04:54:47.561"/>
+    <p1510:client id="{4E1B7B9D-6923-4885-9D2D-52CA2719BE25}" v="149" dt="2024-02-25T18:58:15.093"/>
   </p1510:revLst>
 </p1510:revInfo>
 </file>
@@ -150,12 +150,12 @@
   <pc:docChgLst>
     <pc:chgData name="Cameron Erber" userId="1ab3e536e8413ba0" providerId="LiveId" clId="{4E1B7B9D-6923-4885-9D2D-52CA2719BE25}"/>
     <pc:docChg chg="undo custSel addSld delSld modSld">
-      <pc:chgData name="Cameron Erber" userId="1ab3e536e8413ba0" providerId="LiveId" clId="{4E1B7B9D-6923-4885-9D2D-52CA2719BE25}" dt="2024-02-20T04:55:55.923" v="3141" actId="113"/>
+      <pc:chgData name="Cameron Erber" userId="1ab3e536e8413ba0" providerId="LiveId" clId="{4E1B7B9D-6923-4885-9D2D-52CA2719BE25}" dt="2024-02-25T19:08:48.893" v="3363" actId="20577"/>
       <pc:docMkLst>
         <pc:docMk/>
       </pc:docMkLst>
       <pc:sldChg chg="modSp mod">
-        <pc:chgData name="Cameron Erber" userId="1ab3e536e8413ba0" providerId="LiveId" clId="{4E1B7B9D-6923-4885-9D2D-52CA2719BE25}" dt="2024-02-19T21:52:49.659" v="2725" actId="20577"/>
+        <pc:chgData name="Cameron Erber" userId="1ab3e536e8413ba0" providerId="LiveId" clId="{4E1B7B9D-6923-4885-9D2D-52CA2719BE25}" dt="2024-02-25T18:53:51.624" v="3274" actId="20577"/>
         <pc:sldMkLst>
           <pc:docMk/>
           <pc:sldMk cId="106904919" sldId="261"/>
@@ -169,7 +169,7 @@
           </ac:spMkLst>
         </pc:spChg>
         <pc:spChg chg="mod">
-          <ac:chgData name="Cameron Erber" userId="1ab3e536e8413ba0" providerId="LiveId" clId="{4E1B7B9D-6923-4885-9D2D-52CA2719BE25}" dt="2024-02-18T22:03:37.740" v="25" actId="20577"/>
+          <ac:chgData name="Cameron Erber" userId="1ab3e536e8413ba0" providerId="LiveId" clId="{4E1B7B9D-6923-4885-9D2D-52CA2719BE25}" dt="2024-02-25T18:53:51.624" v="3274" actId="20577"/>
           <ac:spMkLst>
             <pc:docMk/>
             <pc:sldMk cId="106904919" sldId="261"/>
@@ -1167,12 +1167,20 @@
           </ac:cxnSpMkLst>
         </pc:cxnChg>
       </pc:sldChg>
-      <pc:sldChg chg="delSp modSp mod">
-        <pc:chgData name="Cameron Erber" userId="1ab3e536e8413ba0" providerId="LiveId" clId="{4E1B7B9D-6923-4885-9D2D-52CA2719BE25}" dt="2024-02-20T04:54:47.561" v="3140"/>
+      <pc:sldChg chg="addSp delSp modSp mod">
+        <pc:chgData name="Cameron Erber" userId="1ab3e536e8413ba0" providerId="LiveId" clId="{4E1B7B9D-6923-4885-9D2D-52CA2719BE25}" dt="2024-02-25T19:08:48.893" v="3363" actId="20577"/>
         <pc:sldMkLst>
           <pc:docMk/>
           <pc:sldMk cId="1131248096" sldId="369"/>
         </pc:sldMkLst>
+        <pc:spChg chg="add mod">
+          <ac:chgData name="Cameron Erber" userId="1ab3e536e8413ba0" providerId="LiveId" clId="{4E1B7B9D-6923-4885-9D2D-52CA2719BE25}" dt="2024-02-25T18:52:21.762" v="3270" actId="1076"/>
+          <ac:spMkLst>
+            <pc:docMk/>
+            <pc:sldMk cId="1131248096" sldId="369"/>
+            <ac:spMk id="3" creationId="{2CD90B8D-7B61-2A48-2C91-1CBE39D7F643}"/>
+          </ac:spMkLst>
+        </pc:spChg>
         <pc:spChg chg="del">
           <ac:chgData name="Cameron Erber" userId="1ab3e536e8413ba0" providerId="LiveId" clId="{4E1B7B9D-6923-4885-9D2D-52CA2719BE25}" dt="2024-02-19T20:55:32.092" v="2393" actId="478"/>
           <ac:spMkLst>
@@ -1182,7 +1190,7 @@
           </ac:spMkLst>
         </pc:spChg>
         <pc:graphicFrameChg chg="mod modGraphic">
-          <ac:chgData name="Cameron Erber" userId="1ab3e536e8413ba0" providerId="LiveId" clId="{4E1B7B9D-6923-4885-9D2D-52CA2719BE25}" dt="2024-02-20T04:54:47.561" v="3140"/>
+          <ac:chgData name="Cameron Erber" userId="1ab3e536e8413ba0" providerId="LiveId" clId="{4E1B7B9D-6923-4885-9D2D-52CA2719BE25}" dt="2024-02-25T19:08:48.893" v="3363" actId="20577"/>
           <ac:graphicFrameMkLst>
             <pc:docMk/>
             <pc:sldMk cId="1131248096" sldId="369"/>
@@ -2858,7 +2866,7 @@
           <a:p>
             <a:fld id="{59041DB8-B66F-4DC8-A96E-33677E0F90FF}" type="datetimeFigureOut">
               <a:rPr lang="en-US" smtClean="0"/>
-              <a:t>2/19/2024</a:t>
+              <a:t>2/25/2024</a:t>
             </a:fld>
             <a:endParaRPr lang="en-US"/>
           </a:p>
@@ -3023,7 +3031,7 @@
           <a:p>
             <a:fld id="{DEB49C4A-65AC-492D-9701-81B46C3AD0E4}" type="datetimeFigureOut">
               <a:rPr lang="en-US" smtClean="0"/>
-              <a:t>2/19/2024</a:t>
+              <a:t>2/25/2024</a:t>
             </a:fld>
             <a:endParaRPr lang="en-US"/>
           </a:p>
@@ -5431,7 +5439,7 @@
           <a:p>
             <a:fld id="{384A29A4-78C8-47AB-BA06-22CB45938951}" type="datetime1">
               <a:rPr lang="en-US" smtClean="0"/>
-              <a:t>2/19/2024</a:t>
+              <a:t>2/25/2024</a:t>
             </a:fld>
             <a:endParaRPr lang="en-US"/>
           </a:p>
@@ -5626,7 +5634,7 @@
           <a:p>
             <a:fld id="{E1ED4ACF-2D82-46F2-A8E9-23963AA34E86}" type="datetime1">
               <a:rPr lang="en-US" smtClean="0"/>
-              <a:t>2/19/2024</a:t>
+              <a:t>2/25/2024</a:t>
             </a:fld>
             <a:endParaRPr lang="en-US"/>
           </a:p>
@@ -5820,7 +5828,7 @@
           <a:p>
             <a:fld id="{AE374B5B-21A0-4192-BF4C-38187F1A68D8}" type="datetime1">
               <a:rPr lang="en-US" smtClean="0"/>
-              <a:t>2/19/2024</a:t>
+              <a:t>2/25/2024</a:t>
             </a:fld>
             <a:endParaRPr lang="en-US"/>
           </a:p>
@@ -8161,7 +8169,7 @@
           <a:p>
             <a:fld id="{33B5CF7C-B333-48E1-A4A6-83A3C8B73AC0}" type="datetime1">
               <a:rPr lang="en-US" smtClean="0"/>
-              <a:t>2/19/2024</a:t>
+              <a:t>2/25/2024</a:t>
             </a:fld>
             <a:endParaRPr lang="en-US"/>
           </a:p>
@@ -8614,7 +8622,7 @@
           <a:p>
             <a:fld id="{AE320762-5CBF-4210-AB54-376B091119F8}" type="datetime1">
               <a:rPr lang="en-US" smtClean="0"/>
-              <a:t>2/19/2024</a:t>
+              <a:t>2/25/2024</a:t>
             </a:fld>
             <a:endParaRPr lang="en-US"/>
           </a:p>
@@ -8746,7 +8754,7 @@
           <a:p>
             <a:fld id="{7F0DB371-BF5F-4058-A212-1A908E4D2674}" type="datetime1">
               <a:rPr lang="en-US" smtClean="0"/>
-              <a:t>2/19/2024</a:t>
+              <a:t>2/25/2024</a:t>
             </a:fld>
             <a:endParaRPr lang="en-US"/>
           </a:p>
@@ -10679,7 +10687,7 @@
           <a:p>
             <a:fld id="{60A4083B-90AA-48CF-BAD5-00AA24D7F288}" type="datetime1">
               <a:rPr lang="en-US" smtClean="0"/>
-              <a:t>2/19/2024</a:t>
+              <a:t>2/25/2024</a:t>
             </a:fld>
             <a:endParaRPr lang="en-US"/>
           </a:p>
@@ -12938,7 +12946,7 @@
             <a:fld id="{F5BAF629-ECA2-4CF3-B790-9D9BDED98269}" type="datetime1">
               <a:rPr lang="en-US" smtClean="0"/>
               <a:pPr/>
-              <a:t>2/19/2024</a:t>
+              <a:t>2/25/2024</a:t>
             </a:fld>
             <a:endParaRPr lang="en-US"/>
           </a:p>
@@ -17233,7 +17241,7 @@
             <a:fld id="{B51B2453-8663-4C69-AF73-9FD7B1DEC5D0}" type="datetime1">
               <a:rPr lang="en-US" smtClean="0"/>
               <a:pPr/>
-              <a:t>2/19/2024</a:t>
+              <a:t>2/25/2024</a:t>
             </a:fld>
             <a:endParaRPr lang="en-US" dirty="0"/>
           </a:p>
@@ -17754,7 +17762,7 @@
           <a:p>
             <a:r>
               <a:rPr lang="en-US" dirty="0"/>
-              <a:t>2/19/2024</a:t>
+              <a:t>2/25/2024</a:t>
             </a:r>
           </a:p>
           <a:p>
@@ -23694,7 +23702,7 @@
             <p:ph idx="1"/>
             <p:extLst>
               <p:ext uri="{D42A27DB-BD31-4B8C-83A1-F6EECF244321}">
-                <p14:modId xmlns:p14="http://schemas.microsoft.com/office/powerpoint/2010/main" val="2772125714"/>
+                <p14:modId xmlns:p14="http://schemas.microsoft.com/office/powerpoint/2010/main" val="140669920"/>
               </p:ext>
             </p:extLst>
           </p:nvPr>
@@ -23897,16 +23905,15 @@
                     <a:p>
                       <a:r>
                         <a:rPr lang="en-US" sz="1400" dirty="0"/>
-                        <a:t>TXS0108E Level Shifter 3.3V / 5V (5 Pack)</a:t>
+                        <a:t>Adafruit BH1750 Light Sensor</a:t>
                       </a:r>
-                      <a:br>
-                        <a:rPr lang="en-US" sz="1400" dirty="0"/>
-                      </a:br>
+                    </a:p>
+                    <a:p>
                       <a:r>
                         <a:rPr lang="en-US" sz="1400" dirty="0">
                           <a:hlinkClick r:id="rId3"/>
                         </a:rPr>
-                        <a:t>https://a.co/d/a8qwK6o</a:t>
+                        <a:t>https://www.adafruit.com/product/4681</a:t>
                       </a:r>
                       <a:endParaRPr lang="en-US" sz="1400" dirty="0"/>
                     </a:p>
@@ -23920,7 +23927,7 @@
                     <a:p>
                       <a:r>
                         <a:rPr lang="en-US" sz="1400" dirty="0"/>
-                        <a:t>No</a:t>
+                        <a:t>Yes</a:t>
                       </a:r>
                     </a:p>
                   </a:txBody>
@@ -23933,7 +23940,7 @@
                     <a:p>
                       <a:r>
                         <a:rPr lang="en-US" sz="1400" dirty="0"/>
-                        <a:t>$7.99</a:t>
+                        <a:t>$4.50</a:t>
                       </a:r>
                     </a:p>
                   </a:txBody>
@@ -23941,7 +23948,62 @@
                 </a:tc>
                 <a:extLst>
                   <a:ext uri="{0D108BD9-81ED-4DB2-BD59-A6C34878D82A}">
-                    <a16:rowId xmlns:a16="http://schemas.microsoft.com/office/drawing/2014/main" val="2595126612"/>
+                    <a16:rowId xmlns:a16="http://schemas.microsoft.com/office/drawing/2014/main" val="1303390198"/>
+                  </a:ext>
+                </a:extLst>
+              </a:tr>
+              <a:tr h="370840">
+                <a:tc>
+                  <a:txBody>
+                    <a:bodyPr/>
+                    <a:lstStyle/>
+                    <a:p>
+                      <a:r>
+                        <a:rPr lang="en-US" sz="1400" dirty="0"/>
+                        <a:t>Adafruit 5V / 4A Power supply wall adapter</a:t>
+                      </a:r>
+                    </a:p>
+                    <a:p>
+                      <a:r>
+                        <a:rPr lang="en-US" sz="1400" dirty="0">
+                          <a:hlinkClick r:id="rId4"/>
+                        </a:rPr>
+                        <a:t>https://www.adafruit.com/product/1466</a:t>
+                      </a:r>
+                      <a:endParaRPr lang="en-US" sz="1400" dirty="0"/>
+                    </a:p>
+                  </a:txBody>
+                  <a:tcPr/>
+                </a:tc>
+                <a:tc>
+                  <a:txBody>
+                    <a:bodyPr/>
+                    <a:lstStyle/>
+                    <a:p>
+                      <a:r>
+                        <a:rPr lang="en-US" sz="1400" dirty="0"/>
+                        <a:t>Yes</a:t>
+                      </a:r>
+                    </a:p>
+                  </a:txBody>
+                  <a:tcPr/>
+                </a:tc>
+                <a:tc>
+                  <a:txBody>
+                    <a:bodyPr/>
+                    <a:lstStyle/>
+                    <a:p>
+                      <a:r>
+                        <a:rPr lang="en-US" sz="1400" dirty="0"/>
+                        <a:t>$14.95</a:t>
+                      </a:r>
+                    </a:p>
+                  </a:txBody>
+                  <a:tcPr/>
+                </a:tc>
+                <a:extLst>
+                  <a:ext uri="{0D108BD9-81ED-4DB2-BD59-A6C34878D82A}">
+                    <a16:rowId xmlns:a16="http://schemas.microsoft.com/office/drawing/2014/main" val="740966642"/>
                   </a:ext>
                 </a:extLst>
               </a:tr>
@@ -23968,7 +24030,7 @@
                       </a:br>
                       <a:r>
                         <a:rPr lang="en-US" sz="1400" dirty="0">
-                          <a:hlinkClick r:id="rId4"/>
+                          <a:hlinkClick r:id="rId5"/>
                         </a:rPr>
                         <a:t>https://a.co/d/ig5AckR</a:t>
                       </a:r>
@@ -23984,7 +24046,7 @@
                     <a:p>
                       <a:r>
                         <a:rPr lang="en-US" sz="1400" dirty="0"/>
-                        <a:t>No</a:t>
+                        <a:t>Maybe</a:t>
                       </a:r>
                     </a:p>
                   </a:txBody>
@@ -24005,7 +24067,7 @@
                 </a:tc>
                 <a:extLst>
                   <a:ext uri="{0D108BD9-81ED-4DB2-BD59-A6C34878D82A}">
-                    <a16:rowId xmlns:a16="http://schemas.microsoft.com/office/drawing/2014/main" val="1698356184"/>
+                    <a16:rowId xmlns:a16="http://schemas.microsoft.com/office/drawing/2014/main" val="4274199004"/>
                   </a:ext>
                 </a:extLst>
               </a:tr>
@@ -24017,15 +24079,16 @@
                     <a:p>
                       <a:r>
                         <a:rPr lang="en-US" sz="1400" dirty="0"/>
-                        <a:t>5V / 4A Power supply wall adapter</a:t>
+                        <a:t>TXS0108E Level Shifter 3.3V / 5V (5 Pack)</a:t>
                       </a:r>
-                    </a:p>
-                    <a:p>
+                      <a:br>
+                        <a:rPr lang="en-US" sz="1400" dirty="0"/>
+                      </a:br>
                       <a:r>
                         <a:rPr lang="en-US" sz="1400" dirty="0">
-                          <a:hlinkClick r:id="rId5"/>
+                          <a:hlinkClick r:id="rId6"/>
                         </a:rPr>
-                        <a:t>https://a.co/d/0O3pAIN</a:t>
+                        <a:t>https://a.co/d/a8qwK6o</a:t>
                       </a:r>
                       <a:endParaRPr lang="en-US" sz="1400" dirty="0"/>
                     </a:p>
@@ -24039,7 +24102,7 @@
                     <a:p>
                       <a:r>
                         <a:rPr lang="en-US" sz="1400" dirty="0"/>
-                        <a:t>No</a:t>
+                        <a:t>N/A</a:t>
                       </a:r>
                     </a:p>
                   </a:txBody>
@@ -24052,7 +24115,7 @@
                     <a:p>
                       <a:r>
                         <a:rPr lang="en-US" sz="1400" dirty="0"/>
-                        <a:t>$9.99</a:t>
+                        <a:t>N/A</a:t>
                       </a:r>
                     </a:p>
                   </a:txBody>
@@ -24060,7 +24123,7 @@
                 </a:tc>
                 <a:extLst>
                   <a:ext uri="{0D108BD9-81ED-4DB2-BD59-A6C34878D82A}">
-                    <a16:rowId xmlns:a16="http://schemas.microsoft.com/office/drawing/2014/main" val="1364489299"/>
+                    <a16:rowId xmlns:a16="http://schemas.microsoft.com/office/drawing/2014/main" val="2595126612"/>
                   </a:ext>
                 </a:extLst>
               </a:tr>
@@ -24078,7 +24141,7 @@
                     <a:p>
                       <a:r>
                         <a:rPr lang="en-US" sz="1400" dirty="0">
-                          <a:hlinkClick r:id="rId6"/>
+                          <a:hlinkClick r:id="rId7"/>
                         </a:rPr>
                         <a:t>https://www.adafruit.com/product/368</a:t>
                       </a:r>
@@ -24094,7 +24157,7 @@
                     <a:p>
                       <a:r>
                         <a:rPr lang="en-US" sz="1400" dirty="0"/>
-                        <a:t>No</a:t>
+                        <a:t>N/A</a:t>
                       </a:r>
                     </a:p>
                   </a:txBody>
@@ -24107,7 +24170,7 @@
                     <a:p>
                       <a:r>
                         <a:rPr lang="en-US" sz="1400" dirty="0"/>
-                        <a:t>$2.00</a:t>
+                        <a:t>N/A</a:t>
                       </a:r>
                     </a:p>
                   </a:txBody>
@@ -24134,7 +24197,7 @@
                       </a:br>
                       <a:r>
                         <a:rPr lang="en-US" sz="1400" dirty="0">
-                          <a:hlinkClick r:id="rId7"/>
+                          <a:hlinkClick r:id="rId8"/>
                         </a:rPr>
                         <a:t>https://www.digikey.com/en/products/detail/e-switch/RR511D1121/2116256</a:t>
                       </a:r>
@@ -24156,7 +24219,7 @@
                     <a:p>
                       <a:r>
                         <a:rPr lang="en-US" sz="1400" dirty="0"/>
-                        <a:t>No</a:t>
+                        <a:t>N/A</a:t>
                       </a:r>
                     </a:p>
                   </a:txBody>
@@ -24175,7 +24238,7 @@
                     <a:p>
                       <a:r>
                         <a:rPr lang="en-US" sz="1400" dirty="0"/>
-                        <a:t>$1.12</a:t>
+                        <a:t>N/A</a:t>
                       </a:r>
                     </a:p>
                   </a:txBody>
@@ -24190,61 +24253,6 @@
                 <a:extLst>
                   <a:ext uri="{0D108BD9-81ED-4DB2-BD59-A6C34878D82A}">
                     <a16:rowId xmlns:a16="http://schemas.microsoft.com/office/drawing/2014/main" val="1385422076"/>
-                  </a:ext>
-                </a:extLst>
-              </a:tr>
-              <a:tr h="370840">
-                <a:tc>
-                  <a:txBody>
-                    <a:bodyPr/>
-                    <a:lstStyle/>
-                    <a:p>
-                      <a:r>
-                        <a:rPr lang="en-US" sz="1400" dirty="0"/>
-                        <a:t>Adafruit BH1750 Light Sensor</a:t>
-                      </a:r>
-                    </a:p>
-                    <a:p>
-                      <a:r>
-                        <a:rPr lang="en-US" sz="1400" dirty="0">
-                          <a:hlinkClick r:id="rId8"/>
-                        </a:rPr>
-                        <a:t>https://www.adafruit.com/product/4681</a:t>
-                      </a:r>
-                      <a:endParaRPr lang="en-US" sz="1400" dirty="0"/>
-                    </a:p>
-                  </a:txBody>
-                  <a:tcPr/>
-                </a:tc>
-                <a:tc>
-                  <a:txBody>
-                    <a:bodyPr/>
-                    <a:lstStyle/>
-                    <a:p>
-                      <a:r>
-                        <a:rPr lang="en-US" sz="1400" dirty="0"/>
-                        <a:t>No</a:t>
-                      </a:r>
-                    </a:p>
-                  </a:txBody>
-                  <a:tcPr/>
-                </a:tc>
-                <a:tc>
-                  <a:txBody>
-                    <a:bodyPr/>
-                    <a:lstStyle/>
-                    <a:p>
-                      <a:r>
-                        <a:rPr lang="en-US" sz="1400" dirty="0"/>
-                        <a:t>$4.50</a:t>
-                      </a:r>
-                    </a:p>
-                  </a:txBody>
-                  <a:tcPr/>
-                </a:tc>
-                <a:extLst>
-                  <a:ext uri="{0D108BD9-81ED-4DB2-BD59-A6C34878D82A}">
-                    <a16:rowId xmlns:a16="http://schemas.microsoft.com/office/drawing/2014/main" val="2337708406"/>
                   </a:ext>
                 </a:extLst>
               </a:tr>
@@ -24344,6 +24352,41 @@
           </a:graphicData>
         </a:graphic>
       </p:graphicFrame>
+      <p:sp>
+        <p:nvSpPr>
+          <p:cNvPr id="3" name="TextBox 2">
+            <a:extLst>
+              <a:ext uri="{FF2B5EF4-FFF2-40B4-BE49-F238E27FC236}">
+                <a16:creationId xmlns:a16="http://schemas.microsoft.com/office/drawing/2014/main" id="{2CD90B8D-7B61-2A48-2C91-1CBE39D7F643}"/>
+              </a:ext>
+            </a:extLst>
+          </p:cNvPr>
+          <p:cNvSpPr txBox="1"/>
+          <p:nvPr/>
+        </p:nvSpPr>
+        <p:spPr>
+          <a:xfrm>
+            <a:off x="8534400" y="6550223"/>
+            <a:ext cx="3543300" cy="307777"/>
+          </a:xfrm>
+          <a:prstGeom prst="rect">
+            <a:avLst/>
+          </a:prstGeom>
+          <a:noFill/>
+        </p:spPr>
+        <p:txBody>
+          <a:bodyPr wrap="square" rtlCol="0">
+            <a:spAutoFit/>
+          </a:bodyPr>
+          <a:lstStyle/>
+          <a:p>
+            <a:r>
+              <a:rPr lang="en-US" sz="1400" dirty="0"/>
+              <a:t>N/A = already have / from OEDK</a:t>
+            </a:r>
+          </a:p>
+        </p:txBody>
+      </p:sp>
     </p:spTree>
     <p:extLst>
       <p:ext uri="{BB962C8B-B14F-4D97-AF65-F5344CB8AC3E}">

--- a/project_01/docs/Erber_ENGI301_project_01_proposal.pptx
+++ b/project_01/docs/Erber_ENGI301_project_01_proposal.pptx
@@ -5,10 +5,10 @@
     <p:sldMasterId id="2147483648" r:id="rId1"/>
   </p:sldMasterIdLst>
   <p:notesMasterIdLst>
-    <p:notesMasterId r:id="rId8"/>
+    <p:notesMasterId r:id="rId10"/>
   </p:notesMasterIdLst>
   <p:handoutMasterIdLst>
-    <p:handoutMasterId r:id="rId9"/>
+    <p:handoutMasterId r:id="rId11"/>
   </p:handoutMasterIdLst>
   <p:sldIdLst>
     <p:sldId id="261" r:id="rId2"/>
@@ -17,6 +17,8 @@
     <p:sldId id="368" r:id="rId5"/>
     <p:sldId id="370" r:id="rId6"/>
     <p:sldId id="369" r:id="rId7"/>
+    <p:sldId id="371" r:id="rId8"/>
+    <p:sldId id="373" r:id="rId9"/>
   </p:sldIdLst>
   <p:sldSz cx="12192000" cy="6858000"/>
   <p:notesSz cx="6858000" cy="9144000"/>
@@ -140,7 +142,7 @@
 <file path=ppt/revisionInfo.xml><?xml version="1.0" encoding="utf-8"?>
 <p1510:revInfo xmlns:a="http://schemas.openxmlformats.org/drawingml/2006/main" xmlns:r="http://schemas.openxmlformats.org/officeDocument/2006/relationships" xmlns:p1510="http://schemas.microsoft.com/office/powerpoint/2015/10/main">
   <p1510:revLst>
-    <p1510:client id="{4E1B7B9D-6923-4885-9D2D-52CA2719BE25}" v="149" dt="2024-02-25T18:58:15.093"/>
+    <p1510:client id="{4E1B7B9D-6923-4885-9D2D-52CA2719BE25}" v="152" dt="2024-03-08T02:01:37.296"/>
   </p1510:revLst>
 </p1510:revInfo>
 </file>
@@ -149,8 +151,8 @@
 <pc:chgInfo xmlns:a="http://schemas.openxmlformats.org/drawingml/2006/main" xmlns:r="http://schemas.openxmlformats.org/officeDocument/2006/relationships" xmlns:ac="http://schemas.microsoft.com/office/drawing/2013/main/command" xmlns:pc="http://schemas.microsoft.com/office/powerpoint/2013/main/command">
   <pc:docChgLst>
     <pc:chgData name="Cameron Erber" userId="1ab3e536e8413ba0" providerId="LiveId" clId="{4E1B7B9D-6923-4885-9D2D-52CA2719BE25}"/>
-    <pc:docChg chg="undo custSel addSld delSld modSld">
-      <pc:chgData name="Cameron Erber" userId="1ab3e536e8413ba0" providerId="LiveId" clId="{4E1B7B9D-6923-4885-9D2D-52CA2719BE25}" dt="2024-02-25T19:08:48.893" v="3363" actId="20577"/>
+    <pc:docChg chg="undo custSel addSld delSld modSld sldOrd">
+      <pc:chgData name="Cameron Erber" userId="1ab3e536e8413ba0" providerId="LiveId" clId="{4E1B7B9D-6923-4885-9D2D-52CA2719BE25}" dt="2024-03-08T02:01:55.897" v="3391" actId="20577"/>
       <pc:docMkLst>
         <pc:docMk/>
       </pc:docMkLst>
@@ -1168,7 +1170,7 @@
         </pc:cxnChg>
       </pc:sldChg>
       <pc:sldChg chg="addSp delSp modSp mod">
-        <pc:chgData name="Cameron Erber" userId="1ab3e536e8413ba0" providerId="LiveId" clId="{4E1B7B9D-6923-4885-9D2D-52CA2719BE25}" dt="2024-02-25T19:08:48.893" v="3363" actId="20577"/>
+        <pc:chgData name="Cameron Erber" userId="1ab3e536e8413ba0" providerId="LiveId" clId="{4E1B7B9D-6923-4885-9D2D-52CA2719BE25}" dt="2024-03-08T02:01:33.305" v="3364"/>
         <pc:sldMkLst>
           <pc:docMk/>
           <pc:sldMk cId="1131248096" sldId="369"/>
@@ -1179,6 +1181,14 @@
             <pc:docMk/>
             <pc:sldMk cId="1131248096" sldId="369"/>
             <ac:spMk id="3" creationId="{2CD90B8D-7B61-2A48-2C91-1CBE39D7F643}"/>
+          </ac:spMkLst>
+        </pc:spChg>
+        <pc:spChg chg="add mod">
+          <ac:chgData name="Cameron Erber" userId="1ab3e536e8413ba0" providerId="LiveId" clId="{4E1B7B9D-6923-4885-9D2D-52CA2719BE25}" dt="2024-03-08T02:01:33.305" v="3364"/>
+          <ac:spMkLst>
+            <pc:docMk/>
+            <pc:sldMk cId="1131248096" sldId="369"/>
+            <ac:spMk id="5" creationId="{43AED280-0EE5-D0F9-1874-FE727211B9B9}"/>
           </ac:spMkLst>
         </pc:spChg>
         <pc:spChg chg="del">
@@ -2740,6 +2750,21 @@
           <pc:sldMk cId="1804182289" sldId="371"/>
         </pc:sldMkLst>
       </pc:sldChg>
+      <pc:sldChg chg="modSp add mod ord">
+        <pc:chgData name="Cameron Erber" userId="1ab3e536e8413ba0" providerId="LiveId" clId="{4E1B7B9D-6923-4885-9D2D-52CA2719BE25}" dt="2024-03-08T02:01:55.897" v="3391" actId="20577"/>
+        <pc:sldMkLst>
+          <pc:docMk/>
+          <pc:sldMk cId="2200590842" sldId="371"/>
+        </pc:sldMkLst>
+        <pc:spChg chg="mod">
+          <ac:chgData name="Cameron Erber" userId="1ab3e536e8413ba0" providerId="LiveId" clId="{4E1B7B9D-6923-4885-9D2D-52CA2719BE25}" dt="2024-03-08T02:01:55.897" v="3391" actId="20577"/>
+          <ac:spMkLst>
+            <pc:docMk/>
+            <pc:sldMk cId="2200590842" sldId="371"/>
+            <ac:spMk id="4" creationId="{99560D58-5670-04A3-2F96-B312FF150DDA}"/>
+          </ac:spMkLst>
+        </pc:spChg>
+      </pc:sldChg>
       <pc:sldChg chg="addSp modSp add mod">
         <pc:chgData name="Cameron Erber" userId="1ab3e536e8413ba0" providerId="LiveId" clId="{4E1B7B9D-6923-4885-9D2D-52CA2719BE25}" dt="2024-02-20T04:55:55.923" v="3141" actId="113"/>
         <pc:sldMkLst>
@@ -2778,6 +2803,13 @@
             <ac:picMk id="6" creationId="{59AA593A-5BEC-A1EE-F924-53FACDB34F61}"/>
           </ac:picMkLst>
         </pc:picChg>
+      </pc:sldChg>
+      <pc:sldChg chg="add">
+        <pc:chgData name="Cameron Erber" userId="1ab3e536e8413ba0" providerId="LiveId" clId="{4E1B7B9D-6923-4885-9D2D-52CA2719BE25}" dt="2024-03-08T02:01:37.264" v="3365"/>
+        <pc:sldMkLst>
+          <pc:docMk/>
+          <pc:sldMk cId="3284450121" sldId="373"/>
+        </pc:sldMkLst>
       </pc:sldChg>
     </pc:docChg>
   </pc:docChgLst>
@@ -2866,7 +2898,7 @@
           <a:p>
             <a:fld id="{59041DB8-B66F-4DC8-A96E-33677E0F90FF}" type="datetimeFigureOut">
               <a:rPr lang="en-US" smtClean="0"/>
-              <a:t>2/25/2024</a:t>
+              <a:t>3/7/2024</a:t>
             </a:fld>
             <a:endParaRPr lang="en-US"/>
           </a:p>
@@ -3031,7 +3063,7 @@
           <a:p>
             <a:fld id="{DEB49C4A-65AC-492D-9701-81B46C3AD0E4}" type="datetimeFigureOut">
               <a:rPr lang="en-US" smtClean="0"/>
-              <a:t>2/25/2024</a:t>
+              <a:t>3/7/2024</a:t>
             </a:fld>
             <a:endParaRPr lang="en-US"/>
           </a:p>
@@ -3296,6 +3328,90 @@
     </a:lvl9pPr>
   </p:notesStyle>
 </p:notesMaster>
+</file>
+
+<file path=ppt/notesSlides/notesSlide1.xml><?xml version="1.0" encoding="utf-8"?>
+<p:notes xmlns:a="http://schemas.openxmlformats.org/drawingml/2006/main" xmlns:r="http://schemas.openxmlformats.org/officeDocument/2006/relationships" xmlns:p="http://schemas.openxmlformats.org/presentationml/2006/main">
+  <p:cSld>
+    <p:spTree>
+      <p:nvGrpSpPr>
+        <p:cNvPr id="1" name=""/>
+        <p:cNvGrpSpPr/>
+        <p:nvPr/>
+      </p:nvGrpSpPr>
+      <p:grpSpPr>
+        <a:xfrm>
+          <a:off x="0" y="0"/>
+          <a:ext cx="0" cy="0"/>
+          <a:chOff x="0" y="0"/>
+          <a:chExt cx="0" cy="0"/>
+        </a:xfrm>
+      </p:grpSpPr>
+      <p:sp>
+        <p:nvSpPr>
+          <p:cNvPr id="2" name="Slide Image Placeholder 1"/>
+          <p:cNvSpPr>
+            <a:spLocks noGrp="1" noRot="1" noChangeAspect="1"/>
+          </p:cNvSpPr>
+          <p:nvPr>
+            <p:ph type="sldImg"/>
+          </p:nvPr>
+        </p:nvSpPr>
+        <p:spPr/>
+      </p:sp>
+      <p:sp>
+        <p:nvSpPr>
+          <p:cNvPr id="3" name="Notes Placeholder 2"/>
+          <p:cNvSpPr>
+            <a:spLocks noGrp="1"/>
+          </p:cNvSpPr>
+          <p:nvPr>
+            <p:ph type="body" idx="1"/>
+          </p:nvPr>
+        </p:nvSpPr>
+        <p:spPr/>
+        <p:txBody>
+          <a:bodyPr/>
+          <a:lstStyle/>
+          <a:p>
+            <a:endParaRPr lang="en-US" dirty="0"/>
+          </a:p>
+        </p:txBody>
+      </p:sp>
+      <p:sp>
+        <p:nvSpPr>
+          <p:cNvPr id="4" name="Slide Number Placeholder 3"/>
+          <p:cNvSpPr>
+            <a:spLocks noGrp="1"/>
+          </p:cNvSpPr>
+          <p:nvPr>
+            <p:ph type="sldNum" sz="quarter" idx="5"/>
+          </p:nvPr>
+        </p:nvSpPr>
+        <p:spPr/>
+        <p:txBody>
+          <a:bodyPr/>
+          <a:lstStyle/>
+          <a:p>
+            <a:fld id="{82869989-EB00-4EE7-BCB5-25BDC5BB29F8}" type="slidenum">
+              <a:rPr lang="en-US" smtClean="0"/>
+              <a:t>8</a:t>
+            </a:fld>
+            <a:endParaRPr lang="en-US"/>
+          </a:p>
+        </p:txBody>
+      </p:sp>
+    </p:spTree>
+    <p:extLst>
+      <p:ext uri="{BB962C8B-B14F-4D97-AF65-F5344CB8AC3E}">
+        <p14:creationId xmlns:p14="http://schemas.microsoft.com/office/powerpoint/2010/main" val="168890393"/>
+      </p:ext>
+    </p:extLst>
+  </p:cSld>
+  <p:clrMapOvr>
+    <a:masterClrMapping/>
+  </p:clrMapOvr>
+</p:notes>
 </file>
 
 <file path=ppt/slideLayouts/slideLayout1.xml><?xml version="1.0" encoding="utf-8"?>
@@ -5439,7 +5555,7 @@
           <a:p>
             <a:fld id="{384A29A4-78C8-47AB-BA06-22CB45938951}" type="datetime1">
               <a:rPr lang="en-US" smtClean="0"/>
-              <a:t>2/25/2024</a:t>
+              <a:t>3/7/2024</a:t>
             </a:fld>
             <a:endParaRPr lang="en-US"/>
           </a:p>
@@ -5634,7 +5750,7 @@
           <a:p>
             <a:fld id="{E1ED4ACF-2D82-46F2-A8E9-23963AA34E86}" type="datetime1">
               <a:rPr lang="en-US" smtClean="0"/>
-              <a:t>2/25/2024</a:t>
+              <a:t>3/7/2024</a:t>
             </a:fld>
             <a:endParaRPr lang="en-US"/>
           </a:p>
@@ -5828,7 +5944,7 @@
           <a:p>
             <a:fld id="{AE374B5B-21A0-4192-BF4C-38187F1A68D8}" type="datetime1">
               <a:rPr lang="en-US" smtClean="0"/>
-              <a:t>2/25/2024</a:t>
+              <a:t>3/7/2024</a:t>
             </a:fld>
             <a:endParaRPr lang="en-US"/>
           </a:p>
@@ -8169,7 +8285,7 @@
           <a:p>
             <a:fld id="{33B5CF7C-B333-48E1-A4A6-83A3C8B73AC0}" type="datetime1">
               <a:rPr lang="en-US" smtClean="0"/>
-              <a:t>2/25/2024</a:t>
+              <a:t>3/7/2024</a:t>
             </a:fld>
             <a:endParaRPr lang="en-US"/>
           </a:p>
@@ -8622,7 +8738,7 @@
           <a:p>
             <a:fld id="{AE320762-5CBF-4210-AB54-376B091119F8}" type="datetime1">
               <a:rPr lang="en-US" smtClean="0"/>
-              <a:t>2/25/2024</a:t>
+              <a:t>3/7/2024</a:t>
             </a:fld>
             <a:endParaRPr lang="en-US"/>
           </a:p>
@@ -8754,7 +8870,7 @@
           <a:p>
             <a:fld id="{7F0DB371-BF5F-4058-A212-1A908E4D2674}" type="datetime1">
               <a:rPr lang="en-US" smtClean="0"/>
-              <a:t>2/25/2024</a:t>
+              <a:t>3/7/2024</a:t>
             </a:fld>
             <a:endParaRPr lang="en-US"/>
           </a:p>
@@ -10687,7 +10803,7 @@
           <a:p>
             <a:fld id="{60A4083B-90AA-48CF-BAD5-00AA24D7F288}" type="datetime1">
               <a:rPr lang="en-US" smtClean="0"/>
-              <a:t>2/25/2024</a:t>
+              <a:t>3/7/2024</a:t>
             </a:fld>
             <a:endParaRPr lang="en-US"/>
           </a:p>
@@ -12946,7 +13062,7 @@
             <a:fld id="{F5BAF629-ECA2-4CF3-B790-9D9BDED98269}" type="datetime1">
               <a:rPr lang="en-US" smtClean="0"/>
               <a:pPr/>
-              <a:t>2/25/2024</a:t>
+              <a:t>3/7/2024</a:t>
             </a:fld>
             <a:endParaRPr lang="en-US"/>
           </a:p>
@@ -17241,7 +17357,7 @@
             <a:fld id="{B51B2453-8663-4C69-AF73-9FD7B1DEC5D0}" type="datetime1">
               <a:rPr lang="en-US" smtClean="0"/>
               <a:pPr/>
-              <a:t>2/25/2024</a:t>
+              <a:t>3/7/2024</a:t>
             </a:fld>
             <a:endParaRPr lang="en-US" dirty="0"/>
           </a:p>
@@ -24412,6 +24528,3459 @@
 </p:sld>
 </file>
 
+<file path=ppt/slides/slide7.xml><?xml version="1.0" encoding="utf-8"?>
+<p:sld xmlns:a="http://schemas.openxmlformats.org/drawingml/2006/main" xmlns:r="http://schemas.openxmlformats.org/officeDocument/2006/relationships" xmlns:p="http://schemas.openxmlformats.org/presentationml/2006/main">
+  <p:cSld>
+    <p:spTree>
+      <p:nvGrpSpPr>
+        <p:cNvPr id="1" name=""/>
+        <p:cNvGrpSpPr/>
+        <p:nvPr/>
+      </p:nvGrpSpPr>
+      <p:grpSpPr>
+        <a:xfrm>
+          <a:off x="0" y="0"/>
+          <a:ext cx="0" cy="0"/>
+          <a:chOff x="0" y="0"/>
+          <a:chExt cx="0" cy="0"/>
+        </a:xfrm>
+      </p:grpSpPr>
+      <p:sp>
+        <p:nvSpPr>
+          <p:cNvPr id="3" name="Title 2">
+            <a:extLst>
+              <a:ext uri="{FF2B5EF4-FFF2-40B4-BE49-F238E27FC236}">
+                <a16:creationId xmlns:a16="http://schemas.microsoft.com/office/drawing/2014/main" id="{A5619A78-2684-BE4E-D9CD-03CFD41EC6D4}"/>
+              </a:ext>
+            </a:extLst>
+          </p:cNvPr>
+          <p:cNvSpPr>
+            <a:spLocks noGrp="1"/>
+          </p:cNvSpPr>
+          <p:nvPr>
+            <p:ph type="title"/>
+          </p:nvPr>
+        </p:nvSpPr>
+        <p:spPr/>
+        <p:txBody>
+          <a:bodyPr/>
+          <a:lstStyle/>
+          <a:p>
+            <a:r>
+              <a:rPr lang="en-US" dirty="0"/>
+              <a:t>Software</a:t>
+            </a:r>
+          </a:p>
+        </p:txBody>
+      </p:sp>
+      <p:sp>
+        <p:nvSpPr>
+          <p:cNvPr id="4" name="Content Placeholder 3">
+            <a:extLst>
+              <a:ext uri="{FF2B5EF4-FFF2-40B4-BE49-F238E27FC236}">
+                <a16:creationId xmlns:a16="http://schemas.microsoft.com/office/drawing/2014/main" id="{99560D58-5670-04A3-2F96-B312FF150DDA}"/>
+              </a:ext>
+            </a:extLst>
+          </p:cNvPr>
+          <p:cNvSpPr>
+            <a:spLocks noGrp="1"/>
+          </p:cNvSpPr>
+          <p:nvPr>
+            <p:ph idx="1"/>
+          </p:nvPr>
+        </p:nvSpPr>
+        <p:spPr>
+          <a:xfrm>
+            <a:off x="609600" y="1295400"/>
+            <a:ext cx="10972800" cy="4991100"/>
+          </a:xfrm>
+        </p:spPr>
+        <p:txBody>
+          <a:bodyPr>
+            <a:normAutofit fontScale="85000" lnSpcReduction="20000"/>
+          </a:bodyPr>
+          <a:lstStyle/>
+          <a:p>
+            <a:r>
+              <a:rPr lang="en-US" dirty="0"/>
+              <a:t>Main points of action:</a:t>
+            </a:r>
+          </a:p>
+          <a:p>
+            <a:r>
+              <a:rPr lang="en-US" dirty="0"/>
+              <a:t>Power on</a:t>
+            </a:r>
+          </a:p>
+          <a:p>
+            <a:r>
+              <a:rPr lang="en-US" dirty="0"/>
+              <a:t>Main class</a:t>
+            </a:r>
+          </a:p>
+          <a:p>
+            <a:pPr lvl="1"/>
+            <a:r>
+              <a:rPr lang="en-US" dirty="0"/>
+              <a:t>Set display brightness </a:t>
+            </a:r>
+            <a:r>
+              <a:rPr lang="en-US" dirty="0">
+                <a:sym typeface="Wingdings" panose="05000000000000000000" pitchFamily="2" charset="2"/>
+              </a:rPr>
+              <a:t> brightness class</a:t>
+            </a:r>
+          </a:p>
+          <a:p>
+            <a:pPr lvl="2"/>
+            <a:r>
+              <a:rPr lang="en-US" dirty="0">
+                <a:sym typeface="Wingdings" panose="05000000000000000000" pitchFamily="2" charset="2"/>
+              </a:rPr>
+              <a:t>Brightness class</a:t>
+            </a:r>
+          </a:p>
+          <a:p>
+            <a:pPr lvl="3"/>
+            <a:r>
+              <a:rPr lang="en-US" dirty="0">
+                <a:sym typeface="Wingdings" panose="05000000000000000000" pitchFamily="2" charset="2"/>
+              </a:rPr>
+              <a:t>Convert sensor output to RGB brightness level and output</a:t>
+            </a:r>
+          </a:p>
+          <a:p>
+            <a:pPr lvl="1"/>
+            <a:r>
+              <a:rPr lang="en-US" dirty="0"/>
+              <a:t>Set welcome display</a:t>
+            </a:r>
+          </a:p>
+          <a:p>
+            <a:pPr lvl="1"/>
+            <a:r>
+              <a:rPr lang="en-US" dirty="0"/>
+              <a:t>Initialize </a:t>
+            </a:r>
+            <a:r>
+              <a:rPr lang="en-US" dirty="0" err="1"/>
+              <a:t>spotify</a:t>
+            </a:r>
+            <a:r>
+              <a:rPr lang="en-US" dirty="0"/>
+              <a:t> token access </a:t>
+            </a:r>
+            <a:r>
+              <a:rPr lang="en-US" dirty="0">
+                <a:sym typeface="Wingdings" panose="05000000000000000000" pitchFamily="2" charset="2"/>
+              </a:rPr>
+              <a:t> </a:t>
+            </a:r>
+            <a:r>
+              <a:rPr lang="en-US" dirty="0" err="1">
+                <a:sym typeface="Wingdings" panose="05000000000000000000" pitchFamily="2" charset="2"/>
+              </a:rPr>
+              <a:t>spotify_initializer</a:t>
+            </a:r>
+            <a:r>
+              <a:rPr lang="en-US" dirty="0">
+                <a:sym typeface="Wingdings" panose="05000000000000000000" pitchFamily="2" charset="2"/>
+              </a:rPr>
+              <a:t> class</a:t>
+            </a:r>
+          </a:p>
+          <a:p>
+            <a:pPr lvl="2"/>
+            <a:r>
+              <a:rPr lang="en-US" dirty="0">
+                <a:sym typeface="Wingdings" panose="05000000000000000000" pitchFamily="2" charset="2"/>
+              </a:rPr>
+              <a:t>Try request access token  if failed, get new and repeat</a:t>
+            </a:r>
+          </a:p>
+          <a:p>
+            <a:pPr lvl="1"/>
+            <a:r>
+              <a:rPr lang="en-US" dirty="0">
+                <a:sym typeface="Wingdings" panose="05000000000000000000" pitchFamily="2" charset="2"/>
+              </a:rPr>
+              <a:t>Display music visualizer  visualizer class</a:t>
+            </a:r>
+          </a:p>
+          <a:p>
+            <a:pPr lvl="2"/>
+            <a:r>
+              <a:rPr lang="en-US" dirty="0">
+                <a:sym typeface="Wingdings" panose="05000000000000000000" pitchFamily="2" charset="2"/>
+              </a:rPr>
+              <a:t>Get track title / album art and display</a:t>
+            </a:r>
+          </a:p>
+          <a:p>
+            <a:pPr lvl="2"/>
+            <a:r>
+              <a:rPr lang="en-US" dirty="0">
+                <a:sym typeface="Wingdings" panose="05000000000000000000" pitchFamily="2" charset="2"/>
+              </a:rPr>
+              <a:t>Get song data, perform </a:t>
+            </a:r>
+            <a:r>
+              <a:rPr lang="en-US" dirty="0" err="1">
+                <a:sym typeface="Wingdings" panose="05000000000000000000" pitchFamily="2" charset="2"/>
+              </a:rPr>
+              <a:t>fft</a:t>
+            </a:r>
+            <a:r>
+              <a:rPr lang="en-US" dirty="0">
+                <a:sym typeface="Wingdings" panose="05000000000000000000" pitchFamily="2" charset="2"/>
+              </a:rPr>
+              <a:t> and display</a:t>
+            </a:r>
+          </a:p>
+          <a:p>
+            <a:pPr lvl="1"/>
+            <a:r>
+              <a:rPr lang="en-US" dirty="0">
+                <a:sym typeface="Wingdings" panose="05000000000000000000" pitchFamily="2" charset="2"/>
+              </a:rPr>
+              <a:t>Button</a:t>
+            </a:r>
+          </a:p>
+          <a:p>
+            <a:pPr lvl="2"/>
+            <a:r>
+              <a:rPr lang="en-US" dirty="0">
+                <a:sym typeface="Wingdings" panose="05000000000000000000" pitchFamily="2" charset="2"/>
+              </a:rPr>
+              <a:t>Always waiting for button press</a:t>
+            </a:r>
+          </a:p>
+          <a:p>
+            <a:pPr lvl="3"/>
+            <a:r>
+              <a:rPr lang="en-US" dirty="0">
+                <a:sym typeface="Wingdings" panose="05000000000000000000" pitchFamily="2" charset="2"/>
+              </a:rPr>
+              <a:t>Single press  play song if paused or pause song if playing</a:t>
+            </a:r>
+          </a:p>
+          <a:p>
+            <a:pPr lvl="3"/>
+            <a:r>
+              <a:rPr lang="en-US" dirty="0">
+                <a:sym typeface="Wingdings" panose="05000000000000000000" pitchFamily="2" charset="2"/>
+              </a:rPr>
+              <a:t>Double press  skip song</a:t>
+            </a:r>
+          </a:p>
+          <a:p>
+            <a:pPr lvl="3"/>
+            <a:r>
+              <a:rPr lang="en-US" dirty="0">
+                <a:sym typeface="Wingdings" panose="05000000000000000000" pitchFamily="2" charset="2"/>
+              </a:rPr>
+              <a:t>Triple press  previous song</a:t>
+            </a:r>
+          </a:p>
+        </p:txBody>
+      </p:sp>
+    </p:spTree>
+    <p:extLst>
+      <p:ext uri="{BB962C8B-B14F-4D97-AF65-F5344CB8AC3E}">
+        <p14:creationId xmlns:p14="http://schemas.microsoft.com/office/powerpoint/2010/main" val="2200590842"/>
+      </p:ext>
+    </p:extLst>
+  </p:cSld>
+  <p:clrMapOvr>
+    <a:masterClrMapping/>
+  </p:clrMapOvr>
+  <mc:AlternateContent xmlns:mc="http://schemas.openxmlformats.org/markup-compatibility/2006" xmlns:p14="http://schemas.microsoft.com/office/powerpoint/2010/main">
+    <mc:Choice Requires="p14">
+      <p:transition spd="med" p14:dur="700">
+        <p:fade/>
+      </p:transition>
+    </mc:Choice>
+    <mc:Fallback xmlns="">
+      <p:transition spd="med">
+        <p:fade/>
+      </p:transition>
+    </mc:Fallback>
+  </mc:AlternateContent>
+</p:sld>
+</file>
+
+<file path=ppt/slides/slide8.xml><?xml version="1.0" encoding="utf-8"?>
+<p:sld xmlns:a="http://schemas.openxmlformats.org/drawingml/2006/main" xmlns:r="http://schemas.openxmlformats.org/officeDocument/2006/relationships" xmlns:p="http://schemas.openxmlformats.org/presentationml/2006/main">
+  <p:cSld>
+    <p:spTree>
+      <p:nvGrpSpPr>
+        <p:cNvPr id="1" name=""/>
+        <p:cNvGrpSpPr/>
+        <p:nvPr/>
+      </p:nvGrpSpPr>
+      <p:grpSpPr>
+        <a:xfrm>
+          <a:off x="0" y="0"/>
+          <a:ext cx="0" cy="0"/>
+          <a:chOff x="0" y="0"/>
+          <a:chExt cx="0" cy="0"/>
+        </a:xfrm>
+      </p:grpSpPr>
+      <p:sp>
+        <p:nvSpPr>
+          <p:cNvPr id="2" name="Title 1">
+            <a:extLst>
+              <a:ext uri="{FF2B5EF4-FFF2-40B4-BE49-F238E27FC236}">
+                <a16:creationId xmlns:a16="http://schemas.microsoft.com/office/drawing/2014/main" id="{562DFEA3-93A8-4943-9F3A-4798FB13F643}"/>
+              </a:ext>
+            </a:extLst>
+          </p:cNvPr>
+          <p:cNvSpPr>
+            <a:spLocks noGrp="1"/>
+          </p:cNvSpPr>
+          <p:nvPr>
+            <p:ph type="title" idx="4294967295"/>
+          </p:nvPr>
+        </p:nvSpPr>
+        <p:spPr>
+          <a:xfrm>
+            <a:off x="201794" y="161473"/>
+            <a:ext cx="3643821" cy="579438"/>
+          </a:xfrm>
+        </p:spPr>
+        <p:txBody>
+          <a:bodyPr/>
+          <a:lstStyle/>
+          <a:p>
+            <a:r>
+              <a:rPr lang="en-US" dirty="0"/>
+              <a:t>SW Flow Diagram</a:t>
+            </a:r>
+          </a:p>
+        </p:txBody>
+      </p:sp>
+      <p:cxnSp>
+        <p:nvCxnSpPr>
+          <p:cNvPr id="13" name="Straight Arrow Connector 12">
+            <a:extLst>
+              <a:ext uri="{FF2B5EF4-FFF2-40B4-BE49-F238E27FC236}">
+                <a16:creationId xmlns:a16="http://schemas.microsoft.com/office/drawing/2014/main" id="{1CD430C8-E24A-DF09-103A-F445CFF4C20F}"/>
+              </a:ext>
+            </a:extLst>
+          </p:cNvPr>
+          <p:cNvCxnSpPr>
+            <a:cxnSpLocks/>
+          </p:cNvCxnSpPr>
+          <p:nvPr/>
+        </p:nvCxnSpPr>
+        <p:spPr>
+          <a:xfrm>
+            <a:off x="5327915" y="72799"/>
+            <a:ext cx="0" cy="526166"/>
+          </a:xfrm>
+          <a:prstGeom prst="straightConnector1">
+            <a:avLst/>
+          </a:prstGeom>
+          <a:ln w="38100" cap="flat" cmpd="sng" algn="ctr">
+            <a:solidFill>
+              <a:schemeClr val="dk1"/>
+            </a:solidFill>
+            <a:prstDash val="solid"/>
+            <a:round/>
+            <a:headEnd type="none" w="med" len="med"/>
+            <a:tailEnd type="arrow" w="med" len="med"/>
+          </a:ln>
+        </p:spPr>
+        <p:style>
+          <a:lnRef idx="0">
+            <a:scrgbClr r="0" g="0" b="0"/>
+          </a:lnRef>
+          <a:fillRef idx="0">
+            <a:scrgbClr r="0" g="0" b="0"/>
+          </a:fillRef>
+          <a:effectRef idx="0">
+            <a:scrgbClr r="0" g="0" b="0"/>
+          </a:effectRef>
+          <a:fontRef idx="minor">
+            <a:schemeClr val="tx1"/>
+          </a:fontRef>
+        </p:style>
+      </p:cxnSp>
+      <p:sp>
+        <p:nvSpPr>
+          <p:cNvPr id="16" name="TextBox 15">
+            <a:extLst>
+              <a:ext uri="{FF2B5EF4-FFF2-40B4-BE49-F238E27FC236}">
+                <a16:creationId xmlns:a16="http://schemas.microsoft.com/office/drawing/2014/main" id="{72604A2C-4140-4412-1BB9-DA862E9AEA2E}"/>
+              </a:ext>
+            </a:extLst>
+          </p:cNvPr>
+          <p:cNvSpPr txBox="1"/>
+          <p:nvPr/>
+        </p:nvSpPr>
+        <p:spPr>
+          <a:xfrm>
+            <a:off x="4313857" y="161473"/>
+            <a:ext cx="943939" cy="307777"/>
+          </a:xfrm>
+          <a:prstGeom prst="rect">
+            <a:avLst/>
+          </a:prstGeom>
+          <a:noFill/>
+        </p:spPr>
+        <p:txBody>
+          <a:bodyPr wrap="square" rtlCol="0">
+            <a:spAutoFit/>
+          </a:bodyPr>
+          <a:lstStyle/>
+          <a:p>
+            <a:r>
+              <a:rPr lang="en-US" sz="1400" dirty="0"/>
+              <a:t>Power on</a:t>
+            </a:r>
+          </a:p>
+        </p:txBody>
+      </p:sp>
+      <p:sp>
+        <p:nvSpPr>
+          <p:cNvPr id="18" name="Rectangle: Rounded Corners 17">
+            <a:extLst>
+              <a:ext uri="{FF2B5EF4-FFF2-40B4-BE49-F238E27FC236}">
+                <a16:creationId xmlns:a16="http://schemas.microsoft.com/office/drawing/2014/main" id="{8A15D9FD-4677-ADB5-9704-CD1E4F1C2B33}"/>
+              </a:ext>
+            </a:extLst>
+          </p:cNvPr>
+          <p:cNvSpPr/>
+          <p:nvPr/>
+        </p:nvSpPr>
+        <p:spPr>
+          <a:xfrm>
+            <a:off x="5060150" y="1695447"/>
+            <a:ext cx="1205624" cy="643019"/>
+          </a:xfrm>
+          <a:prstGeom prst="roundRect">
+            <a:avLst/>
+          </a:prstGeom>
+        </p:spPr>
+        <p:style>
+          <a:lnRef idx="2">
+            <a:schemeClr val="accent1">
+              <a:shade val="15000"/>
+            </a:schemeClr>
+          </a:lnRef>
+          <a:fillRef idx="1">
+            <a:schemeClr val="accent1"/>
+          </a:fillRef>
+          <a:effectRef idx="0">
+            <a:schemeClr val="accent1"/>
+          </a:effectRef>
+          <a:fontRef idx="minor">
+            <a:schemeClr val="lt1"/>
+          </a:fontRef>
+        </p:style>
+        <p:txBody>
+          <a:bodyPr rtlCol="0" anchor="ctr"/>
+          <a:lstStyle/>
+          <a:p>
+            <a:pPr algn="ctr"/>
+            <a:r>
+              <a:rPr lang="en-US" sz="1400" dirty="0"/>
+              <a:t>Set Welcome Display</a:t>
+            </a:r>
+          </a:p>
+        </p:txBody>
+      </p:sp>
+      <p:sp>
+        <p:nvSpPr>
+          <p:cNvPr id="20" name="Rectangle: Rounded Corners 19">
+            <a:extLst>
+              <a:ext uri="{FF2B5EF4-FFF2-40B4-BE49-F238E27FC236}">
+                <a16:creationId xmlns:a16="http://schemas.microsoft.com/office/drawing/2014/main" id="{C35D0AB8-9FFF-DEDA-63A0-DF2F14DE879B}"/>
+              </a:ext>
+            </a:extLst>
+          </p:cNvPr>
+          <p:cNvSpPr/>
+          <p:nvPr/>
+        </p:nvSpPr>
+        <p:spPr>
+          <a:xfrm>
+            <a:off x="4376390" y="679524"/>
+            <a:ext cx="2809059" cy="3861533"/>
+          </a:xfrm>
+          <a:prstGeom prst="roundRect">
+            <a:avLst/>
+          </a:prstGeom>
+          <a:noFill/>
+          <a:ln w="38100" cap="flat" cmpd="sng" algn="ctr">
+            <a:solidFill>
+              <a:schemeClr val="dk1"/>
+            </a:solidFill>
+            <a:prstDash val="dash"/>
+            <a:round/>
+            <a:headEnd type="none" w="med" len="med"/>
+            <a:tailEnd type="none" w="med" len="med"/>
+          </a:ln>
+        </p:spPr>
+        <p:style>
+          <a:lnRef idx="0">
+            <a:scrgbClr r="0" g="0" b="0"/>
+          </a:lnRef>
+          <a:fillRef idx="0">
+            <a:scrgbClr r="0" g="0" b="0"/>
+          </a:fillRef>
+          <a:effectRef idx="0">
+            <a:scrgbClr r="0" g="0" b="0"/>
+          </a:effectRef>
+          <a:fontRef idx="minor">
+            <a:schemeClr val="dk1"/>
+          </a:fontRef>
+        </p:style>
+        <p:txBody>
+          <a:bodyPr rtlCol="0" anchor="ctr"/>
+          <a:lstStyle/>
+          <a:p>
+            <a:pPr algn="ctr"/>
+            <a:endParaRPr lang="en-US" sz="1400"/>
+          </a:p>
+        </p:txBody>
+      </p:sp>
+      <p:sp>
+        <p:nvSpPr>
+          <p:cNvPr id="21" name="TextBox 20">
+            <a:extLst>
+              <a:ext uri="{FF2B5EF4-FFF2-40B4-BE49-F238E27FC236}">
+                <a16:creationId xmlns:a16="http://schemas.microsoft.com/office/drawing/2014/main" id="{39BD76C0-07DF-7246-2FDC-A05C392BDBF6}"/>
+              </a:ext>
+            </a:extLst>
+          </p:cNvPr>
+          <p:cNvSpPr txBox="1"/>
+          <p:nvPr/>
+        </p:nvSpPr>
+        <p:spPr>
+          <a:xfrm>
+            <a:off x="3668622" y="1977277"/>
+            <a:ext cx="642409" cy="523220"/>
+          </a:xfrm>
+          <a:prstGeom prst="rect">
+            <a:avLst/>
+          </a:prstGeom>
+          <a:noFill/>
+        </p:spPr>
+        <p:txBody>
+          <a:bodyPr wrap="square" rtlCol="0">
+            <a:spAutoFit/>
+          </a:bodyPr>
+          <a:lstStyle/>
+          <a:p>
+            <a:pPr algn="r"/>
+            <a:r>
+              <a:rPr lang="en-US" sz="1400" b="1" dirty="0"/>
+              <a:t>Main class</a:t>
+            </a:r>
+          </a:p>
+        </p:txBody>
+      </p:sp>
+      <p:sp>
+        <p:nvSpPr>
+          <p:cNvPr id="22" name="Rectangle: Rounded Corners 21">
+            <a:extLst>
+              <a:ext uri="{FF2B5EF4-FFF2-40B4-BE49-F238E27FC236}">
+                <a16:creationId xmlns:a16="http://schemas.microsoft.com/office/drawing/2014/main" id="{6AE5F338-1DF2-A51C-C666-19510025CB0F}"/>
+              </a:ext>
+            </a:extLst>
+          </p:cNvPr>
+          <p:cNvSpPr/>
+          <p:nvPr/>
+        </p:nvSpPr>
+        <p:spPr>
+          <a:xfrm>
+            <a:off x="5062390" y="2757880"/>
+            <a:ext cx="1205624" cy="502304"/>
+          </a:xfrm>
+          <a:prstGeom prst="roundRect">
+            <a:avLst/>
+          </a:prstGeom>
+        </p:spPr>
+        <p:style>
+          <a:lnRef idx="2">
+            <a:schemeClr val="accent1">
+              <a:shade val="15000"/>
+            </a:schemeClr>
+          </a:lnRef>
+          <a:fillRef idx="1">
+            <a:schemeClr val="accent1"/>
+          </a:fillRef>
+          <a:effectRef idx="0">
+            <a:schemeClr val="accent1"/>
+          </a:effectRef>
+          <a:fontRef idx="minor">
+            <a:schemeClr val="lt1"/>
+          </a:fontRef>
+        </p:style>
+        <p:txBody>
+          <a:bodyPr rtlCol="0" anchor="ctr"/>
+          <a:lstStyle/>
+          <a:p>
+            <a:pPr algn="ctr"/>
+            <a:r>
+              <a:rPr lang="en-US" sz="1400" dirty="0"/>
+              <a:t>Spotify initializer</a:t>
+            </a:r>
+          </a:p>
+        </p:txBody>
+      </p:sp>
+      <p:sp>
+        <p:nvSpPr>
+          <p:cNvPr id="27" name="Rectangle: Rounded Corners 26">
+            <a:extLst>
+              <a:ext uri="{FF2B5EF4-FFF2-40B4-BE49-F238E27FC236}">
+                <a16:creationId xmlns:a16="http://schemas.microsoft.com/office/drawing/2014/main" id="{A80D20BF-E1B7-CE90-47C9-1A1B992809D4}"/>
+              </a:ext>
+            </a:extLst>
+          </p:cNvPr>
+          <p:cNvSpPr/>
+          <p:nvPr/>
+        </p:nvSpPr>
+        <p:spPr>
+          <a:xfrm>
+            <a:off x="7430590" y="275383"/>
+            <a:ext cx="4644141" cy="1318984"/>
+          </a:xfrm>
+          <a:prstGeom prst="roundRect">
+            <a:avLst/>
+          </a:prstGeom>
+          <a:noFill/>
+          <a:ln w="38100" cap="flat" cmpd="sng" algn="ctr">
+            <a:solidFill>
+              <a:schemeClr val="dk1"/>
+            </a:solidFill>
+            <a:prstDash val="dash"/>
+            <a:round/>
+            <a:headEnd type="none" w="med" len="med"/>
+            <a:tailEnd type="none" w="med" len="med"/>
+          </a:ln>
+        </p:spPr>
+        <p:style>
+          <a:lnRef idx="0">
+            <a:scrgbClr r="0" g="0" b="0"/>
+          </a:lnRef>
+          <a:fillRef idx="0">
+            <a:scrgbClr r="0" g="0" b="0"/>
+          </a:fillRef>
+          <a:effectRef idx="0">
+            <a:scrgbClr r="0" g="0" b="0"/>
+          </a:effectRef>
+          <a:fontRef idx="minor">
+            <a:schemeClr val="dk1"/>
+          </a:fontRef>
+        </p:style>
+        <p:txBody>
+          <a:bodyPr rtlCol="0" anchor="ctr"/>
+          <a:lstStyle/>
+          <a:p>
+            <a:pPr algn="ctr"/>
+            <a:endParaRPr lang="en-US" sz="1400"/>
+          </a:p>
+        </p:txBody>
+      </p:sp>
+      <p:sp>
+        <p:nvSpPr>
+          <p:cNvPr id="3" name="Rectangle: Rounded Corners 2">
+            <a:extLst>
+              <a:ext uri="{FF2B5EF4-FFF2-40B4-BE49-F238E27FC236}">
+                <a16:creationId xmlns:a16="http://schemas.microsoft.com/office/drawing/2014/main" id="{E85415B2-CC59-B713-7F57-6EEAF62C9B76}"/>
+              </a:ext>
+            </a:extLst>
+          </p:cNvPr>
+          <p:cNvSpPr/>
+          <p:nvPr/>
+        </p:nvSpPr>
+        <p:spPr>
+          <a:xfrm>
+            <a:off x="5103611" y="858956"/>
+            <a:ext cx="1118702" cy="502304"/>
+          </a:xfrm>
+          <a:prstGeom prst="roundRect">
+            <a:avLst/>
+          </a:prstGeom>
+        </p:spPr>
+        <p:style>
+          <a:lnRef idx="2">
+            <a:schemeClr val="accent1">
+              <a:shade val="15000"/>
+            </a:schemeClr>
+          </a:lnRef>
+          <a:fillRef idx="1">
+            <a:schemeClr val="accent1"/>
+          </a:fillRef>
+          <a:effectRef idx="0">
+            <a:schemeClr val="accent1"/>
+          </a:effectRef>
+          <a:fontRef idx="minor">
+            <a:schemeClr val="lt1"/>
+          </a:fontRef>
+        </p:style>
+        <p:txBody>
+          <a:bodyPr rtlCol="0" anchor="ctr"/>
+          <a:lstStyle/>
+          <a:p>
+            <a:pPr algn="ctr"/>
+            <a:r>
+              <a:rPr lang="en-US" sz="1400" dirty="0"/>
+              <a:t>Display Brightness</a:t>
+            </a:r>
+          </a:p>
+        </p:txBody>
+      </p:sp>
+      <p:sp>
+        <p:nvSpPr>
+          <p:cNvPr id="4" name="TextBox 3">
+            <a:extLst>
+              <a:ext uri="{FF2B5EF4-FFF2-40B4-BE49-F238E27FC236}">
+                <a16:creationId xmlns:a16="http://schemas.microsoft.com/office/drawing/2014/main" id="{A1DC28B1-13BA-AEDB-9D66-6D2A3C7E631E}"/>
+              </a:ext>
+            </a:extLst>
+          </p:cNvPr>
+          <p:cNvSpPr txBox="1"/>
+          <p:nvPr/>
+        </p:nvSpPr>
+        <p:spPr>
+          <a:xfrm>
+            <a:off x="8636977" y="1676260"/>
+            <a:ext cx="2297723" cy="307777"/>
+          </a:xfrm>
+          <a:prstGeom prst="rect">
+            <a:avLst/>
+          </a:prstGeom>
+          <a:noFill/>
+        </p:spPr>
+        <p:txBody>
+          <a:bodyPr wrap="square" rtlCol="0">
+            <a:spAutoFit/>
+          </a:bodyPr>
+          <a:lstStyle/>
+          <a:p>
+            <a:r>
+              <a:rPr lang="en-US" sz="1400" b="1" dirty="0"/>
+              <a:t>Display brightness class</a:t>
+            </a:r>
+          </a:p>
+        </p:txBody>
+      </p:sp>
+      <p:cxnSp>
+        <p:nvCxnSpPr>
+          <p:cNvPr id="6" name="Straight Arrow Connector 5">
+            <a:extLst>
+              <a:ext uri="{FF2B5EF4-FFF2-40B4-BE49-F238E27FC236}">
+                <a16:creationId xmlns:a16="http://schemas.microsoft.com/office/drawing/2014/main" id="{68087FCF-3540-52CE-3513-5177874A4AC4}"/>
+              </a:ext>
+            </a:extLst>
+          </p:cNvPr>
+          <p:cNvCxnSpPr>
+            <a:cxnSpLocks/>
+            <a:stCxn id="18" idx="2"/>
+            <a:endCxn id="22" idx="0"/>
+          </p:cNvCxnSpPr>
+          <p:nvPr/>
+        </p:nvCxnSpPr>
+        <p:spPr>
+          <a:xfrm>
+            <a:off x="5662962" y="2338466"/>
+            <a:ext cx="2240" cy="419414"/>
+          </a:xfrm>
+          <a:prstGeom prst="straightConnector1">
+            <a:avLst/>
+          </a:prstGeom>
+          <a:ln w="38100" cap="flat" cmpd="sng" algn="ctr">
+            <a:solidFill>
+              <a:schemeClr val="dk1"/>
+            </a:solidFill>
+            <a:prstDash val="solid"/>
+            <a:round/>
+            <a:headEnd type="none" w="med" len="med"/>
+            <a:tailEnd type="arrow" w="med" len="med"/>
+          </a:ln>
+        </p:spPr>
+        <p:style>
+          <a:lnRef idx="0">
+            <a:scrgbClr r="0" g="0" b="0"/>
+          </a:lnRef>
+          <a:fillRef idx="0">
+            <a:scrgbClr r="0" g="0" b="0"/>
+          </a:fillRef>
+          <a:effectRef idx="0">
+            <a:scrgbClr r="0" g="0" b="0"/>
+          </a:effectRef>
+          <a:fontRef idx="minor">
+            <a:schemeClr val="tx1"/>
+          </a:fontRef>
+        </p:style>
+      </p:cxnSp>
+      <p:cxnSp>
+        <p:nvCxnSpPr>
+          <p:cNvPr id="8" name="Straight Arrow Connector 7">
+            <a:extLst>
+              <a:ext uri="{FF2B5EF4-FFF2-40B4-BE49-F238E27FC236}">
+                <a16:creationId xmlns:a16="http://schemas.microsoft.com/office/drawing/2014/main" id="{B517F625-7EEB-55DA-6C8D-57D4ED47C4CB}"/>
+              </a:ext>
+            </a:extLst>
+          </p:cNvPr>
+          <p:cNvCxnSpPr>
+            <a:cxnSpLocks/>
+          </p:cNvCxnSpPr>
+          <p:nvPr/>
+        </p:nvCxnSpPr>
+        <p:spPr>
+          <a:xfrm>
+            <a:off x="6585194" y="2833217"/>
+            <a:ext cx="1487102" cy="129429"/>
+          </a:xfrm>
+          <a:prstGeom prst="straightConnector1">
+            <a:avLst/>
+          </a:prstGeom>
+          <a:ln w="38100" cap="flat" cmpd="sng" algn="ctr">
+            <a:solidFill>
+              <a:srgbClr val="00B050"/>
+            </a:solidFill>
+            <a:prstDash val="solid"/>
+            <a:round/>
+            <a:headEnd type="none" w="med" len="med"/>
+            <a:tailEnd type="arrow" w="med" len="med"/>
+          </a:ln>
+        </p:spPr>
+        <p:style>
+          <a:lnRef idx="0">
+            <a:scrgbClr r="0" g="0" b="0"/>
+          </a:lnRef>
+          <a:fillRef idx="0">
+            <a:scrgbClr r="0" g="0" b="0"/>
+          </a:fillRef>
+          <a:effectRef idx="0">
+            <a:scrgbClr r="0" g="0" b="0"/>
+          </a:effectRef>
+          <a:fontRef idx="minor">
+            <a:schemeClr val="tx1"/>
+          </a:fontRef>
+        </p:style>
+      </p:cxnSp>
+      <p:sp>
+        <p:nvSpPr>
+          <p:cNvPr id="11" name="Rectangle: Rounded Corners 10">
+            <a:extLst>
+              <a:ext uri="{FF2B5EF4-FFF2-40B4-BE49-F238E27FC236}">
+                <a16:creationId xmlns:a16="http://schemas.microsoft.com/office/drawing/2014/main" id="{79DA65A7-0AD2-5114-E6CA-4A06D5CC175C}"/>
+              </a:ext>
+            </a:extLst>
+          </p:cNvPr>
+          <p:cNvSpPr/>
+          <p:nvPr/>
+        </p:nvSpPr>
+        <p:spPr>
+          <a:xfrm>
+            <a:off x="8285523" y="2668177"/>
+            <a:ext cx="3350590" cy="1441796"/>
+          </a:xfrm>
+          <a:prstGeom prst="roundRect">
+            <a:avLst/>
+          </a:prstGeom>
+          <a:noFill/>
+          <a:ln w="38100" cap="flat" cmpd="sng" algn="ctr">
+            <a:solidFill>
+              <a:schemeClr val="dk1"/>
+            </a:solidFill>
+            <a:prstDash val="dash"/>
+            <a:round/>
+            <a:headEnd type="none" w="med" len="med"/>
+            <a:tailEnd type="none" w="med" len="med"/>
+          </a:ln>
+        </p:spPr>
+        <p:style>
+          <a:lnRef idx="0">
+            <a:scrgbClr r="0" g="0" b="0"/>
+          </a:lnRef>
+          <a:fillRef idx="0">
+            <a:scrgbClr r="0" g="0" b="0"/>
+          </a:fillRef>
+          <a:effectRef idx="0">
+            <a:scrgbClr r="0" g="0" b="0"/>
+          </a:effectRef>
+          <a:fontRef idx="minor">
+            <a:schemeClr val="dk1"/>
+          </a:fontRef>
+        </p:style>
+        <p:txBody>
+          <a:bodyPr rtlCol="0" anchor="ctr"/>
+          <a:lstStyle/>
+          <a:p>
+            <a:pPr algn="ctr"/>
+            <a:endParaRPr lang="en-US" sz="1400"/>
+          </a:p>
+        </p:txBody>
+      </p:sp>
+      <p:sp>
+        <p:nvSpPr>
+          <p:cNvPr id="12" name="TextBox 11">
+            <a:extLst>
+              <a:ext uri="{FF2B5EF4-FFF2-40B4-BE49-F238E27FC236}">
+                <a16:creationId xmlns:a16="http://schemas.microsoft.com/office/drawing/2014/main" id="{2BF16456-99FB-D8E9-263E-34B35DBAD9F9}"/>
+              </a:ext>
+            </a:extLst>
+          </p:cNvPr>
+          <p:cNvSpPr txBox="1"/>
+          <p:nvPr/>
+        </p:nvSpPr>
+        <p:spPr>
+          <a:xfrm>
+            <a:off x="8878847" y="4188000"/>
+            <a:ext cx="2163941" cy="307777"/>
+          </a:xfrm>
+          <a:prstGeom prst="rect">
+            <a:avLst/>
+          </a:prstGeom>
+          <a:noFill/>
+        </p:spPr>
+        <p:txBody>
+          <a:bodyPr wrap="square" rtlCol="0">
+            <a:spAutoFit/>
+          </a:bodyPr>
+          <a:lstStyle/>
+          <a:p>
+            <a:r>
+              <a:rPr lang="en-US" sz="1400" b="1" dirty="0"/>
+              <a:t>Spotify initializer class</a:t>
+            </a:r>
+          </a:p>
+        </p:txBody>
+      </p:sp>
+      <p:cxnSp>
+        <p:nvCxnSpPr>
+          <p:cNvPr id="14" name="Straight Arrow Connector 13">
+            <a:extLst>
+              <a:ext uri="{FF2B5EF4-FFF2-40B4-BE49-F238E27FC236}">
+                <a16:creationId xmlns:a16="http://schemas.microsoft.com/office/drawing/2014/main" id="{783469E2-0FAE-71F3-C45B-2465C6928AE0}"/>
+              </a:ext>
+            </a:extLst>
+          </p:cNvPr>
+          <p:cNvCxnSpPr>
+            <a:cxnSpLocks/>
+            <a:stCxn id="22" idx="2"/>
+            <a:endCxn id="67" idx="0"/>
+          </p:cNvCxnSpPr>
+          <p:nvPr/>
+        </p:nvCxnSpPr>
+        <p:spPr>
+          <a:xfrm flipH="1">
+            <a:off x="5662963" y="3260184"/>
+            <a:ext cx="2239" cy="364162"/>
+          </a:xfrm>
+          <a:prstGeom prst="straightConnector1">
+            <a:avLst/>
+          </a:prstGeom>
+          <a:ln w="38100" cap="flat" cmpd="sng" algn="ctr">
+            <a:solidFill>
+              <a:schemeClr val="dk1"/>
+            </a:solidFill>
+            <a:prstDash val="solid"/>
+            <a:round/>
+            <a:headEnd type="none" w="med" len="med"/>
+            <a:tailEnd type="arrow" w="med" len="med"/>
+          </a:ln>
+        </p:spPr>
+        <p:style>
+          <a:lnRef idx="0">
+            <a:scrgbClr r="0" g="0" b="0"/>
+          </a:lnRef>
+          <a:fillRef idx="0">
+            <a:scrgbClr r="0" g="0" b="0"/>
+          </a:fillRef>
+          <a:effectRef idx="0">
+            <a:scrgbClr r="0" g="0" b="0"/>
+          </a:effectRef>
+          <a:fontRef idx="minor">
+            <a:schemeClr val="tx1"/>
+          </a:fontRef>
+        </p:style>
+      </p:cxnSp>
+      <p:cxnSp>
+        <p:nvCxnSpPr>
+          <p:cNvPr id="19" name="Connector: Elbow 18">
+            <a:extLst>
+              <a:ext uri="{FF2B5EF4-FFF2-40B4-BE49-F238E27FC236}">
+                <a16:creationId xmlns:a16="http://schemas.microsoft.com/office/drawing/2014/main" id="{3BCBC8DA-3408-ED9F-5C4A-CEF375DC9D56}"/>
+              </a:ext>
+            </a:extLst>
+          </p:cNvPr>
+          <p:cNvCxnSpPr>
+            <a:cxnSpLocks/>
+            <a:stCxn id="3" idx="0"/>
+          </p:cNvCxnSpPr>
+          <p:nvPr/>
+        </p:nvCxnSpPr>
+        <p:spPr>
+          <a:xfrm rot="5400000" flipH="1" flipV="1">
+            <a:off x="6341145" y="-160667"/>
+            <a:ext cx="341440" cy="1697806"/>
+          </a:xfrm>
+          <a:prstGeom prst="bentConnector2">
+            <a:avLst/>
+          </a:prstGeom>
+          <a:ln w="38100" cap="flat" cmpd="sng" algn="ctr">
+            <a:solidFill>
+              <a:srgbClr val="00B050"/>
+            </a:solidFill>
+            <a:prstDash val="solid"/>
+            <a:round/>
+            <a:headEnd type="none" w="med" len="med"/>
+            <a:tailEnd type="arrow" w="med" len="med"/>
+          </a:ln>
+        </p:spPr>
+        <p:style>
+          <a:lnRef idx="0">
+            <a:scrgbClr r="0" g="0" b="0"/>
+          </a:lnRef>
+          <a:fillRef idx="0">
+            <a:scrgbClr r="0" g="0" b="0"/>
+          </a:fillRef>
+          <a:effectRef idx="0">
+            <a:scrgbClr r="0" g="0" b="0"/>
+          </a:effectRef>
+          <a:fontRef idx="minor">
+            <a:schemeClr val="tx1"/>
+          </a:fontRef>
+        </p:style>
+      </p:cxnSp>
+      <p:cxnSp>
+        <p:nvCxnSpPr>
+          <p:cNvPr id="31" name="Connector: Elbow 30">
+            <a:extLst>
+              <a:ext uri="{FF2B5EF4-FFF2-40B4-BE49-F238E27FC236}">
+                <a16:creationId xmlns:a16="http://schemas.microsoft.com/office/drawing/2014/main" id="{AA7E7311-8BA4-6BC6-0D18-4D14CEC463AE}"/>
+              </a:ext>
+            </a:extLst>
+          </p:cNvPr>
+          <p:cNvCxnSpPr>
+            <a:cxnSpLocks/>
+            <a:stCxn id="22" idx="1"/>
+            <a:endCxn id="18" idx="1"/>
+          </p:cNvCxnSpPr>
+          <p:nvPr/>
+        </p:nvCxnSpPr>
+        <p:spPr>
+          <a:xfrm rot="10800000">
+            <a:off x="5060150" y="2016958"/>
+            <a:ext cx="2240" cy="992075"/>
+          </a:xfrm>
+          <a:prstGeom prst="bentConnector3">
+            <a:avLst>
+              <a:gd name="adj1" fmla="val 10305357"/>
+            </a:avLst>
+          </a:prstGeom>
+          <a:ln w="38100" cap="flat" cmpd="sng" algn="ctr">
+            <a:solidFill>
+              <a:schemeClr val="tx1"/>
+            </a:solidFill>
+            <a:prstDash val="solid"/>
+            <a:round/>
+            <a:headEnd type="none" w="med" len="med"/>
+            <a:tailEnd type="arrow" w="med" len="med"/>
+          </a:ln>
+        </p:spPr>
+        <p:style>
+          <a:lnRef idx="0">
+            <a:scrgbClr r="0" g="0" b="0"/>
+          </a:lnRef>
+          <a:fillRef idx="0">
+            <a:scrgbClr r="0" g="0" b="0"/>
+          </a:fillRef>
+          <a:effectRef idx="0">
+            <a:scrgbClr r="0" g="0" b="0"/>
+          </a:effectRef>
+          <a:fontRef idx="minor">
+            <a:schemeClr val="tx1"/>
+          </a:fontRef>
+        </p:style>
+      </p:cxnSp>
+      <p:sp>
+        <p:nvSpPr>
+          <p:cNvPr id="46" name="TextBox 45">
+            <a:extLst>
+              <a:ext uri="{FF2B5EF4-FFF2-40B4-BE49-F238E27FC236}">
+                <a16:creationId xmlns:a16="http://schemas.microsoft.com/office/drawing/2014/main" id="{B8C7EA20-6A24-9E52-63FB-0DC5330DEF9C}"/>
+              </a:ext>
+            </a:extLst>
+          </p:cNvPr>
+          <p:cNvSpPr txBox="1"/>
+          <p:nvPr/>
+        </p:nvSpPr>
+        <p:spPr>
+          <a:xfrm>
+            <a:off x="4815893" y="2366380"/>
+            <a:ext cx="767400" cy="307777"/>
+          </a:xfrm>
+          <a:prstGeom prst="rect">
+            <a:avLst/>
+          </a:prstGeom>
+          <a:noFill/>
+        </p:spPr>
+        <p:txBody>
+          <a:bodyPr wrap="square" rtlCol="0">
+            <a:spAutoFit/>
+          </a:bodyPr>
+          <a:lstStyle/>
+          <a:p>
+            <a:r>
+              <a:rPr lang="en-US" sz="1400" dirty="0"/>
+              <a:t>If false</a:t>
+            </a:r>
+          </a:p>
+        </p:txBody>
+      </p:sp>
+      <p:sp>
+        <p:nvSpPr>
+          <p:cNvPr id="67" name="Rectangle: Rounded Corners 66">
+            <a:extLst>
+              <a:ext uri="{FF2B5EF4-FFF2-40B4-BE49-F238E27FC236}">
+                <a16:creationId xmlns:a16="http://schemas.microsoft.com/office/drawing/2014/main" id="{5BE1C42D-D340-7775-CC89-896FF8C7DA8F}"/>
+              </a:ext>
+            </a:extLst>
+          </p:cNvPr>
+          <p:cNvSpPr/>
+          <p:nvPr/>
+        </p:nvSpPr>
+        <p:spPr>
+          <a:xfrm>
+            <a:off x="5060151" y="3624346"/>
+            <a:ext cx="1205624" cy="299659"/>
+          </a:xfrm>
+          <a:prstGeom prst="roundRect">
+            <a:avLst/>
+          </a:prstGeom>
+        </p:spPr>
+        <p:style>
+          <a:lnRef idx="2">
+            <a:schemeClr val="accent1">
+              <a:shade val="15000"/>
+            </a:schemeClr>
+          </a:lnRef>
+          <a:fillRef idx="1">
+            <a:schemeClr val="accent1"/>
+          </a:fillRef>
+          <a:effectRef idx="0">
+            <a:schemeClr val="accent1"/>
+          </a:effectRef>
+          <a:fontRef idx="minor">
+            <a:schemeClr val="lt1"/>
+          </a:fontRef>
+        </p:style>
+        <p:txBody>
+          <a:bodyPr rtlCol="0" anchor="ctr"/>
+          <a:lstStyle/>
+          <a:p>
+            <a:pPr algn="ctr"/>
+            <a:r>
+              <a:rPr lang="en-US" sz="1400" dirty="0"/>
+              <a:t>Visualizer</a:t>
+            </a:r>
+          </a:p>
+        </p:txBody>
+      </p:sp>
+      <p:sp>
+        <p:nvSpPr>
+          <p:cNvPr id="70" name="Rectangle: Rounded Corners 69">
+            <a:extLst>
+              <a:ext uri="{FF2B5EF4-FFF2-40B4-BE49-F238E27FC236}">
+                <a16:creationId xmlns:a16="http://schemas.microsoft.com/office/drawing/2014/main" id="{9C132CC7-6418-39CC-C442-635DB2990B5B}"/>
+              </a:ext>
+            </a:extLst>
+          </p:cNvPr>
+          <p:cNvSpPr/>
+          <p:nvPr/>
+        </p:nvSpPr>
+        <p:spPr>
+          <a:xfrm>
+            <a:off x="7622668" y="518331"/>
+            <a:ext cx="1205624" cy="700350"/>
+          </a:xfrm>
+          <a:prstGeom prst="roundRect">
+            <a:avLst/>
+          </a:prstGeom>
+        </p:spPr>
+        <p:style>
+          <a:lnRef idx="2">
+            <a:schemeClr val="accent1">
+              <a:shade val="15000"/>
+            </a:schemeClr>
+          </a:lnRef>
+          <a:fillRef idx="1">
+            <a:schemeClr val="accent1"/>
+          </a:fillRef>
+          <a:effectRef idx="0">
+            <a:schemeClr val="accent1"/>
+          </a:effectRef>
+          <a:fontRef idx="minor">
+            <a:schemeClr val="lt1"/>
+          </a:fontRef>
+        </p:style>
+        <p:txBody>
+          <a:bodyPr rtlCol="0" anchor="ctr"/>
+          <a:lstStyle/>
+          <a:p>
+            <a:pPr algn="ctr"/>
+            <a:r>
+              <a:rPr lang="en-US" sz="1400" dirty="0"/>
+              <a:t>Receive light sensor output</a:t>
+            </a:r>
+          </a:p>
+        </p:txBody>
+      </p:sp>
+      <p:sp>
+        <p:nvSpPr>
+          <p:cNvPr id="72" name="Rectangle: Rounded Corners 71">
+            <a:extLst>
+              <a:ext uri="{FF2B5EF4-FFF2-40B4-BE49-F238E27FC236}">
+                <a16:creationId xmlns:a16="http://schemas.microsoft.com/office/drawing/2014/main" id="{DFD457B6-B6B0-C851-6B06-0C57C68ADC55}"/>
+              </a:ext>
+            </a:extLst>
+          </p:cNvPr>
+          <p:cNvSpPr/>
+          <p:nvPr/>
+        </p:nvSpPr>
+        <p:spPr>
+          <a:xfrm>
+            <a:off x="9116136" y="530004"/>
+            <a:ext cx="1205624" cy="677004"/>
+          </a:xfrm>
+          <a:prstGeom prst="roundRect">
+            <a:avLst/>
+          </a:prstGeom>
+        </p:spPr>
+        <p:style>
+          <a:lnRef idx="2">
+            <a:schemeClr val="accent1">
+              <a:shade val="15000"/>
+            </a:schemeClr>
+          </a:lnRef>
+          <a:fillRef idx="1">
+            <a:schemeClr val="accent1"/>
+          </a:fillRef>
+          <a:effectRef idx="0">
+            <a:schemeClr val="accent1"/>
+          </a:effectRef>
+          <a:fontRef idx="minor">
+            <a:schemeClr val="lt1"/>
+          </a:fontRef>
+        </p:style>
+        <p:txBody>
+          <a:bodyPr rtlCol="0" anchor="ctr"/>
+          <a:lstStyle/>
+          <a:p>
+            <a:pPr algn="ctr"/>
+            <a:r>
+              <a:rPr lang="en-US" sz="1400" dirty="0"/>
+              <a:t>Convert to LED matrix brightness</a:t>
+            </a:r>
+          </a:p>
+        </p:txBody>
+      </p:sp>
+      <p:cxnSp>
+        <p:nvCxnSpPr>
+          <p:cNvPr id="73" name="Straight Arrow Connector 72">
+            <a:extLst>
+              <a:ext uri="{FF2B5EF4-FFF2-40B4-BE49-F238E27FC236}">
+                <a16:creationId xmlns:a16="http://schemas.microsoft.com/office/drawing/2014/main" id="{AFA5BCDF-E8F7-C82D-727E-8D96F180F5BD}"/>
+              </a:ext>
+            </a:extLst>
+          </p:cNvPr>
+          <p:cNvCxnSpPr>
+            <a:cxnSpLocks/>
+            <a:stCxn id="70" idx="3"/>
+            <a:endCxn id="72" idx="1"/>
+          </p:cNvCxnSpPr>
+          <p:nvPr/>
+        </p:nvCxnSpPr>
+        <p:spPr>
+          <a:xfrm>
+            <a:off x="8828292" y="868506"/>
+            <a:ext cx="287844" cy="0"/>
+          </a:xfrm>
+          <a:prstGeom prst="straightConnector1">
+            <a:avLst/>
+          </a:prstGeom>
+          <a:ln w="38100" cap="flat" cmpd="sng" algn="ctr">
+            <a:solidFill>
+              <a:schemeClr val="dk1"/>
+            </a:solidFill>
+            <a:prstDash val="solid"/>
+            <a:round/>
+            <a:headEnd type="none" w="med" len="med"/>
+            <a:tailEnd type="arrow" w="med" len="med"/>
+          </a:ln>
+        </p:spPr>
+        <p:style>
+          <a:lnRef idx="0">
+            <a:scrgbClr r="0" g="0" b="0"/>
+          </a:lnRef>
+          <a:fillRef idx="0">
+            <a:scrgbClr r="0" g="0" b="0"/>
+          </a:fillRef>
+          <a:effectRef idx="0">
+            <a:scrgbClr r="0" g="0" b="0"/>
+          </a:effectRef>
+          <a:fontRef idx="minor">
+            <a:schemeClr val="tx1"/>
+          </a:fontRef>
+        </p:style>
+      </p:cxnSp>
+      <p:cxnSp>
+        <p:nvCxnSpPr>
+          <p:cNvPr id="76" name="Straight Arrow Connector 75">
+            <a:extLst>
+              <a:ext uri="{FF2B5EF4-FFF2-40B4-BE49-F238E27FC236}">
+                <a16:creationId xmlns:a16="http://schemas.microsoft.com/office/drawing/2014/main" id="{1F94D7A5-7260-E1C8-B730-CEF2FFE18841}"/>
+              </a:ext>
+            </a:extLst>
+          </p:cNvPr>
+          <p:cNvCxnSpPr>
+            <a:cxnSpLocks/>
+            <a:stCxn id="72" idx="3"/>
+            <a:endCxn id="78" idx="1"/>
+          </p:cNvCxnSpPr>
+          <p:nvPr/>
+        </p:nvCxnSpPr>
+        <p:spPr>
+          <a:xfrm flipV="1">
+            <a:off x="10321760" y="860315"/>
+            <a:ext cx="359816" cy="8191"/>
+          </a:xfrm>
+          <a:prstGeom prst="straightConnector1">
+            <a:avLst/>
+          </a:prstGeom>
+          <a:ln w="38100" cap="flat" cmpd="sng" algn="ctr">
+            <a:solidFill>
+              <a:schemeClr val="dk1"/>
+            </a:solidFill>
+            <a:prstDash val="solid"/>
+            <a:round/>
+            <a:headEnd type="none" w="med" len="med"/>
+            <a:tailEnd type="arrow" w="med" len="med"/>
+          </a:ln>
+        </p:spPr>
+        <p:style>
+          <a:lnRef idx="0">
+            <a:scrgbClr r="0" g="0" b="0"/>
+          </a:lnRef>
+          <a:fillRef idx="0">
+            <a:scrgbClr r="0" g="0" b="0"/>
+          </a:fillRef>
+          <a:effectRef idx="0">
+            <a:scrgbClr r="0" g="0" b="0"/>
+          </a:effectRef>
+          <a:fontRef idx="minor">
+            <a:schemeClr val="tx1"/>
+          </a:fontRef>
+        </p:style>
+      </p:cxnSp>
+      <p:sp>
+        <p:nvSpPr>
+          <p:cNvPr id="78" name="Rectangle: Rounded Corners 77">
+            <a:extLst>
+              <a:ext uri="{FF2B5EF4-FFF2-40B4-BE49-F238E27FC236}">
+                <a16:creationId xmlns:a16="http://schemas.microsoft.com/office/drawing/2014/main" id="{CA74D780-2A13-980C-FB6E-C7B7BDB73491}"/>
+              </a:ext>
+            </a:extLst>
+          </p:cNvPr>
+          <p:cNvSpPr/>
+          <p:nvPr/>
+        </p:nvSpPr>
+        <p:spPr>
+          <a:xfrm>
+            <a:off x="10681576" y="513622"/>
+            <a:ext cx="1205624" cy="693385"/>
+          </a:xfrm>
+          <a:prstGeom prst="roundRect">
+            <a:avLst/>
+          </a:prstGeom>
+        </p:spPr>
+        <p:style>
+          <a:lnRef idx="2">
+            <a:schemeClr val="accent1">
+              <a:shade val="15000"/>
+            </a:schemeClr>
+          </a:lnRef>
+          <a:fillRef idx="1">
+            <a:schemeClr val="accent1"/>
+          </a:fillRef>
+          <a:effectRef idx="0">
+            <a:schemeClr val="accent1"/>
+          </a:effectRef>
+          <a:fontRef idx="minor">
+            <a:schemeClr val="lt1"/>
+          </a:fontRef>
+        </p:style>
+        <p:txBody>
+          <a:bodyPr rtlCol="0" anchor="ctr"/>
+          <a:lstStyle/>
+          <a:p>
+            <a:pPr algn="ctr"/>
+            <a:r>
+              <a:rPr lang="en-US" sz="1400" dirty="0"/>
+              <a:t>Update LED matrix brightness</a:t>
+            </a:r>
+          </a:p>
+        </p:txBody>
+      </p:sp>
+      <p:sp>
+        <p:nvSpPr>
+          <p:cNvPr id="84" name="Rectangle: Rounded Corners 83">
+            <a:extLst>
+              <a:ext uri="{FF2B5EF4-FFF2-40B4-BE49-F238E27FC236}">
+                <a16:creationId xmlns:a16="http://schemas.microsoft.com/office/drawing/2014/main" id="{9F610C08-06F4-391E-2225-E7D15C6E1E70}"/>
+              </a:ext>
+            </a:extLst>
+          </p:cNvPr>
+          <p:cNvSpPr/>
+          <p:nvPr/>
+        </p:nvSpPr>
+        <p:spPr>
+          <a:xfrm>
+            <a:off x="8510730" y="2917931"/>
+            <a:ext cx="1286572" cy="540656"/>
+          </a:xfrm>
+          <a:prstGeom prst="roundRect">
+            <a:avLst/>
+          </a:prstGeom>
+        </p:spPr>
+        <p:style>
+          <a:lnRef idx="2">
+            <a:schemeClr val="accent1">
+              <a:shade val="15000"/>
+            </a:schemeClr>
+          </a:lnRef>
+          <a:fillRef idx="1">
+            <a:schemeClr val="accent1"/>
+          </a:fillRef>
+          <a:effectRef idx="0">
+            <a:schemeClr val="accent1"/>
+          </a:effectRef>
+          <a:fontRef idx="minor">
+            <a:schemeClr val="lt1"/>
+          </a:fontRef>
+        </p:style>
+        <p:txBody>
+          <a:bodyPr rtlCol="0" anchor="ctr"/>
+          <a:lstStyle/>
+          <a:p>
+            <a:pPr algn="ctr"/>
+            <a:r>
+              <a:rPr lang="en-US" sz="1400" dirty="0"/>
+              <a:t>Request access token</a:t>
+            </a:r>
+          </a:p>
+        </p:txBody>
+      </p:sp>
+      <p:sp>
+        <p:nvSpPr>
+          <p:cNvPr id="85" name="Rectangle: Rounded Corners 84">
+            <a:extLst>
+              <a:ext uri="{FF2B5EF4-FFF2-40B4-BE49-F238E27FC236}">
+                <a16:creationId xmlns:a16="http://schemas.microsoft.com/office/drawing/2014/main" id="{65CD76E9-F1D7-B4C2-A2DE-7282F19767DE}"/>
+              </a:ext>
+            </a:extLst>
+          </p:cNvPr>
+          <p:cNvSpPr/>
+          <p:nvPr/>
+        </p:nvSpPr>
+        <p:spPr>
+          <a:xfrm>
+            <a:off x="10136314" y="2923078"/>
+            <a:ext cx="1286572" cy="518269"/>
+          </a:xfrm>
+          <a:prstGeom prst="roundRect">
+            <a:avLst/>
+          </a:prstGeom>
+        </p:spPr>
+        <p:style>
+          <a:lnRef idx="2">
+            <a:schemeClr val="accent1">
+              <a:shade val="15000"/>
+            </a:schemeClr>
+          </a:lnRef>
+          <a:fillRef idx="1">
+            <a:schemeClr val="accent1"/>
+          </a:fillRef>
+          <a:effectRef idx="0">
+            <a:schemeClr val="accent1"/>
+          </a:effectRef>
+          <a:fontRef idx="minor">
+            <a:schemeClr val="lt1"/>
+          </a:fontRef>
+        </p:style>
+        <p:txBody>
+          <a:bodyPr rtlCol="0" anchor="ctr"/>
+          <a:lstStyle/>
+          <a:p>
+            <a:pPr algn="ctr"/>
+            <a:r>
+              <a:rPr lang="en-US" sz="1400" dirty="0"/>
+              <a:t>Check access token</a:t>
+            </a:r>
+          </a:p>
+        </p:txBody>
+      </p:sp>
+      <p:cxnSp>
+        <p:nvCxnSpPr>
+          <p:cNvPr id="87" name="Connector: Elbow 86">
+            <a:extLst>
+              <a:ext uri="{FF2B5EF4-FFF2-40B4-BE49-F238E27FC236}">
+                <a16:creationId xmlns:a16="http://schemas.microsoft.com/office/drawing/2014/main" id="{25D4D831-4450-23CA-9B3A-DFF34CB262D1}"/>
+              </a:ext>
+            </a:extLst>
+          </p:cNvPr>
+          <p:cNvCxnSpPr>
+            <a:cxnSpLocks/>
+            <a:stCxn id="67" idx="3"/>
+            <a:endCxn id="22" idx="3"/>
+          </p:cNvCxnSpPr>
+          <p:nvPr/>
+        </p:nvCxnSpPr>
+        <p:spPr>
+          <a:xfrm flipV="1">
+            <a:off x="6265775" y="3009032"/>
+            <a:ext cx="2239" cy="765144"/>
+          </a:xfrm>
+          <a:prstGeom prst="bentConnector3">
+            <a:avLst>
+              <a:gd name="adj1" fmla="val 10309915"/>
+            </a:avLst>
+          </a:prstGeom>
+          <a:ln w="38100" cap="flat" cmpd="sng" algn="ctr">
+            <a:solidFill>
+              <a:schemeClr val="tx1"/>
+            </a:solidFill>
+            <a:prstDash val="solid"/>
+            <a:round/>
+            <a:headEnd type="none" w="med" len="med"/>
+            <a:tailEnd type="arrow" w="med" len="med"/>
+          </a:ln>
+        </p:spPr>
+        <p:style>
+          <a:lnRef idx="0">
+            <a:scrgbClr r="0" g="0" b="0"/>
+          </a:lnRef>
+          <a:fillRef idx="0">
+            <a:scrgbClr r="0" g="0" b="0"/>
+          </a:fillRef>
+          <a:effectRef idx="0">
+            <a:scrgbClr r="0" g="0" b="0"/>
+          </a:effectRef>
+          <a:fontRef idx="minor">
+            <a:schemeClr val="tx1"/>
+          </a:fontRef>
+        </p:style>
+      </p:cxnSp>
+      <p:sp>
+        <p:nvSpPr>
+          <p:cNvPr id="90" name="TextBox 89">
+            <a:extLst>
+              <a:ext uri="{FF2B5EF4-FFF2-40B4-BE49-F238E27FC236}">
+                <a16:creationId xmlns:a16="http://schemas.microsoft.com/office/drawing/2014/main" id="{AECCF71E-0210-63B9-2DAE-4DE51F0AA769}"/>
+              </a:ext>
+            </a:extLst>
+          </p:cNvPr>
+          <p:cNvSpPr txBox="1"/>
+          <p:nvPr/>
+        </p:nvSpPr>
+        <p:spPr>
+          <a:xfrm>
+            <a:off x="6499685" y="3137594"/>
+            <a:ext cx="592133" cy="523220"/>
+          </a:xfrm>
+          <a:prstGeom prst="rect">
+            <a:avLst/>
+          </a:prstGeom>
+          <a:noFill/>
+        </p:spPr>
+        <p:txBody>
+          <a:bodyPr wrap="square" rtlCol="0">
+            <a:spAutoFit/>
+          </a:bodyPr>
+          <a:lstStyle/>
+          <a:p>
+            <a:r>
+              <a:rPr lang="en-US" sz="1400" dirty="0"/>
+              <a:t>After 1 </a:t>
+            </a:r>
+            <a:r>
+              <a:rPr lang="en-US" sz="1400" dirty="0" err="1"/>
+              <a:t>hr</a:t>
+            </a:r>
+            <a:endParaRPr lang="en-US" sz="1400" dirty="0"/>
+          </a:p>
+        </p:txBody>
+      </p:sp>
+      <p:cxnSp>
+        <p:nvCxnSpPr>
+          <p:cNvPr id="92" name="Straight Arrow Connector 91">
+            <a:extLst>
+              <a:ext uri="{FF2B5EF4-FFF2-40B4-BE49-F238E27FC236}">
+                <a16:creationId xmlns:a16="http://schemas.microsoft.com/office/drawing/2014/main" id="{BB9A97EC-E3A7-CED7-F651-E52E60A8BAF5}"/>
+              </a:ext>
+            </a:extLst>
+          </p:cNvPr>
+          <p:cNvCxnSpPr>
+            <a:cxnSpLocks/>
+            <a:stCxn id="84" idx="3"/>
+            <a:endCxn id="85" idx="1"/>
+          </p:cNvCxnSpPr>
+          <p:nvPr/>
+        </p:nvCxnSpPr>
+        <p:spPr>
+          <a:xfrm flipV="1">
+            <a:off x="9797302" y="3182213"/>
+            <a:ext cx="339012" cy="6046"/>
+          </a:xfrm>
+          <a:prstGeom prst="straightConnector1">
+            <a:avLst/>
+          </a:prstGeom>
+          <a:ln w="38100" cap="flat" cmpd="sng" algn="ctr">
+            <a:solidFill>
+              <a:schemeClr val="dk1"/>
+            </a:solidFill>
+            <a:prstDash val="solid"/>
+            <a:round/>
+            <a:headEnd type="none" w="med" len="med"/>
+            <a:tailEnd type="arrow" w="med" len="med"/>
+          </a:ln>
+        </p:spPr>
+        <p:style>
+          <a:lnRef idx="0">
+            <a:scrgbClr r="0" g="0" b="0"/>
+          </a:lnRef>
+          <a:fillRef idx="0">
+            <a:scrgbClr r="0" g="0" b="0"/>
+          </a:fillRef>
+          <a:effectRef idx="0">
+            <a:scrgbClr r="0" g="0" b="0"/>
+          </a:effectRef>
+          <a:fontRef idx="minor">
+            <a:schemeClr val="tx1"/>
+          </a:fontRef>
+        </p:style>
+      </p:cxnSp>
+      <p:cxnSp>
+        <p:nvCxnSpPr>
+          <p:cNvPr id="96" name="Connector: Elbow 95">
+            <a:extLst>
+              <a:ext uri="{FF2B5EF4-FFF2-40B4-BE49-F238E27FC236}">
+                <a16:creationId xmlns:a16="http://schemas.microsoft.com/office/drawing/2014/main" id="{0B27316A-5EE6-E65A-8756-3CC87046C89F}"/>
+              </a:ext>
+            </a:extLst>
+          </p:cNvPr>
+          <p:cNvCxnSpPr>
+            <a:cxnSpLocks/>
+            <a:stCxn id="85" idx="2"/>
+            <a:endCxn id="84" idx="2"/>
+          </p:cNvCxnSpPr>
+          <p:nvPr/>
+        </p:nvCxnSpPr>
+        <p:spPr>
+          <a:xfrm rot="5400000">
+            <a:off x="9958188" y="2637175"/>
+            <a:ext cx="17240" cy="1625584"/>
+          </a:xfrm>
+          <a:prstGeom prst="bentConnector3">
+            <a:avLst>
+              <a:gd name="adj1" fmla="val 1425986"/>
+            </a:avLst>
+          </a:prstGeom>
+          <a:ln w="38100" cap="flat" cmpd="sng" algn="ctr">
+            <a:solidFill>
+              <a:schemeClr val="tx1"/>
+            </a:solidFill>
+            <a:prstDash val="solid"/>
+            <a:round/>
+            <a:headEnd type="none" w="med" len="med"/>
+            <a:tailEnd type="arrow" w="med" len="med"/>
+          </a:ln>
+        </p:spPr>
+        <p:style>
+          <a:lnRef idx="0">
+            <a:scrgbClr r="0" g="0" b="0"/>
+          </a:lnRef>
+          <a:fillRef idx="0">
+            <a:scrgbClr r="0" g="0" b="0"/>
+          </a:fillRef>
+          <a:effectRef idx="0">
+            <a:scrgbClr r="0" g="0" b="0"/>
+          </a:effectRef>
+          <a:fontRef idx="minor">
+            <a:schemeClr val="tx1"/>
+          </a:fontRef>
+        </p:style>
+      </p:cxnSp>
+      <p:sp>
+        <p:nvSpPr>
+          <p:cNvPr id="99" name="TextBox 98">
+            <a:extLst>
+              <a:ext uri="{FF2B5EF4-FFF2-40B4-BE49-F238E27FC236}">
+                <a16:creationId xmlns:a16="http://schemas.microsoft.com/office/drawing/2014/main" id="{E5246170-6A5A-1394-50CA-05A442A82943}"/>
+              </a:ext>
+            </a:extLst>
+          </p:cNvPr>
+          <p:cNvSpPr txBox="1"/>
+          <p:nvPr/>
+        </p:nvSpPr>
+        <p:spPr>
+          <a:xfrm>
+            <a:off x="9634154" y="3722869"/>
+            <a:ext cx="797494" cy="307777"/>
+          </a:xfrm>
+          <a:prstGeom prst="rect">
+            <a:avLst/>
+          </a:prstGeom>
+          <a:noFill/>
+        </p:spPr>
+        <p:txBody>
+          <a:bodyPr wrap="square" rtlCol="0">
+            <a:spAutoFit/>
+          </a:bodyPr>
+          <a:lstStyle/>
+          <a:p>
+            <a:r>
+              <a:rPr lang="en-US" sz="1400" dirty="0"/>
+              <a:t>If false</a:t>
+            </a:r>
+          </a:p>
+        </p:txBody>
+      </p:sp>
+      <p:sp>
+        <p:nvSpPr>
+          <p:cNvPr id="102" name="Rectangle: Rounded Corners 101">
+            <a:extLst>
+              <a:ext uri="{FF2B5EF4-FFF2-40B4-BE49-F238E27FC236}">
+                <a16:creationId xmlns:a16="http://schemas.microsoft.com/office/drawing/2014/main" id="{E4C0EBA3-57E9-1D2F-85D7-E9020CAEB5D8}"/>
+              </a:ext>
+            </a:extLst>
+          </p:cNvPr>
+          <p:cNvSpPr/>
+          <p:nvPr/>
+        </p:nvSpPr>
+        <p:spPr>
+          <a:xfrm>
+            <a:off x="571502" y="4906289"/>
+            <a:ext cx="11009365" cy="1749861"/>
+          </a:xfrm>
+          <a:prstGeom prst="roundRect">
+            <a:avLst/>
+          </a:prstGeom>
+          <a:noFill/>
+          <a:ln w="38100" cap="flat" cmpd="sng" algn="ctr">
+            <a:solidFill>
+              <a:schemeClr val="dk1"/>
+            </a:solidFill>
+            <a:prstDash val="dash"/>
+            <a:round/>
+            <a:headEnd type="none" w="med" len="med"/>
+            <a:tailEnd type="none" w="med" len="med"/>
+          </a:ln>
+        </p:spPr>
+        <p:style>
+          <a:lnRef idx="0">
+            <a:scrgbClr r="0" g="0" b="0"/>
+          </a:lnRef>
+          <a:fillRef idx="0">
+            <a:scrgbClr r="0" g="0" b="0"/>
+          </a:fillRef>
+          <a:effectRef idx="0">
+            <a:scrgbClr r="0" g="0" b="0"/>
+          </a:effectRef>
+          <a:fontRef idx="minor">
+            <a:schemeClr val="dk1"/>
+          </a:fontRef>
+        </p:style>
+        <p:txBody>
+          <a:bodyPr rtlCol="0" anchor="ctr"/>
+          <a:lstStyle/>
+          <a:p>
+            <a:pPr algn="ctr"/>
+            <a:endParaRPr lang="en-US" sz="1400"/>
+          </a:p>
+        </p:txBody>
+      </p:sp>
+      <p:sp>
+        <p:nvSpPr>
+          <p:cNvPr id="104" name="Rectangle: Rounded Corners 103">
+            <a:extLst>
+              <a:ext uri="{FF2B5EF4-FFF2-40B4-BE49-F238E27FC236}">
+                <a16:creationId xmlns:a16="http://schemas.microsoft.com/office/drawing/2014/main" id="{69302FC9-A1AF-D645-32D1-7779D8B25E54}"/>
+              </a:ext>
+            </a:extLst>
+          </p:cNvPr>
+          <p:cNvSpPr/>
+          <p:nvPr/>
+        </p:nvSpPr>
+        <p:spPr>
+          <a:xfrm>
+            <a:off x="5889512" y="5044235"/>
+            <a:ext cx="1541078" cy="557483"/>
+          </a:xfrm>
+          <a:prstGeom prst="roundRect">
+            <a:avLst/>
+          </a:prstGeom>
+        </p:spPr>
+        <p:style>
+          <a:lnRef idx="2">
+            <a:schemeClr val="accent1">
+              <a:shade val="15000"/>
+            </a:schemeClr>
+          </a:lnRef>
+          <a:fillRef idx="1">
+            <a:schemeClr val="accent1"/>
+          </a:fillRef>
+          <a:effectRef idx="0">
+            <a:schemeClr val="accent1"/>
+          </a:effectRef>
+          <a:fontRef idx="minor">
+            <a:schemeClr val="lt1"/>
+          </a:fontRef>
+        </p:style>
+        <p:txBody>
+          <a:bodyPr rtlCol="0" anchor="ctr"/>
+          <a:lstStyle/>
+          <a:p>
+            <a:pPr algn="ctr"/>
+            <a:r>
+              <a:rPr lang="en-US" sz="1400" dirty="0"/>
+              <a:t>Request current song data</a:t>
+            </a:r>
+          </a:p>
+        </p:txBody>
+      </p:sp>
+      <p:cxnSp>
+        <p:nvCxnSpPr>
+          <p:cNvPr id="107" name="Straight Arrow Connector 106">
+            <a:extLst>
+              <a:ext uri="{FF2B5EF4-FFF2-40B4-BE49-F238E27FC236}">
+                <a16:creationId xmlns:a16="http://schemas.microsoft.com/office/drawing/2014/main" id="{B0149994-E66C-DEB1-3C2B-D0F618E5CC39}"/>
+              </a:ext>
+            </a:extLst>
+          </p:cNvPr>
+          <p:cNvCxnSpPr>
+            <a:cxnSpLocks/>
+            <a:stCxn id="104" idx="3"/>
+            <a:endCxn id="109" idx="1"/>
+          </p:cNvCxnSpPr>
+          <p:nvPr/>
+        </p:nvCxnSpPr>
+        <p:spPr>
+          <a:xfrm>
+            <a:off x="7430590" y="5322977"/>
+            <a:ext cx="312689" cy="1897"/>
+          </a:xfrm>
+          <a:prstGeom prst="straightConnector1">
+            <a:avLst/>
+          </a:prstGeom>
+          <a:ln w="38100" cap="flat" cmpd="sng" algn="ctr">
+            <a:solidFill>
+              <a:schemeClr val="dk1"/>
+            </a:solidFill>
+            <a:prstDash val="solid"/>
+            <a:round/>
+            <a:headEnd type="none" w="med" len="med"/>
+            <a:tailEnd type="arrow" w="med" len="med"/>
+          </a:ln>
+        </p:spPr>
+        <p:style>
+          <a:lnRef idx="0">
+            <a:scrgbClr r="0" g="0" b="0"/>
+          </a:lnRef>
+          <a:fillRef idx="0">
+            <a:scrgbClr r="0" g="0" b="0"/>
+          </a:fillRef>
+          <a:effectRef idx="0">
+            <a:scrgbClr r="0" g="0" b="0"/>
+          </a:effectRef>
+          <a:fontRef idx="minor">
+            <a:schemeClr val="tx1"/>
+          </a:fontRef>
+        </p:style>
+      </p:cxnSp>
+      <p:sp>
+        <p:nvSpPr>
+          <p:cNvPr id="109" name="Rectangle: Rounded Corners 108">
+            <a:extLst>
+              <a:ext uri="{FF2B5EF4-FFF2-40B4-BE49-F238E27FC236}">
+                <a16:creationId xmlns:a16="http://schemas.microsoft.com/office/drawing/2014/main" id="{CFA4EE31-7ADB-9865-55EA-D458A84F03E4}"/>
+              </a:ext>
+            </a:extLst>
+          </p:cNvPr>
+          <p:cNvSpPr/>
+          <p:nvPr/>
+        </p:nvSpPr>
+        <p:spPr>
+          <a:xfrm>
+            <a:off x="7743279" y="5106593"/>
+            <a:ext cx="1621908" cy="436561"/>
+          </a:xfrm>
+          <a:prstGeom prst="roundRect">
+            <a:avLst/>
+          </a:prstGeom>
+        </p:spPr>
+        <p:style>
+          <a:lnRef idx="2">
+            <a:schemeClr val="accent1">
+              <a:shade val="15000"/>
+            </a:schemeClr>
+          </a:lnRef>
+          <a:fillRef idx="1">
+            <a:schemeClr val="accent1"/>
+          </a:fillRef>
+          <a:effectRef idx="0">
+            <a:schemeClr val="accent1"/>
+          </a:effectRef>
+          <a:fontRef idx="minor">
+            <a:schemeClr val="lt1"/>
+          </a:fontRef>
+        </p:style>
+        <p:txBody>
+          <a:bodyPr rtlCol="0" anchor="ctr"/>
+          <a:lstStyle/>
+          <a:p>
+            <a:pPr algn="ctr"/>
+            <a:r>
+              <a:rPr lang="en-US" sz="1400" dirty="0"/>
+              <a:t>Display track title</a:t>
+            </a:r>
+          </a:p>
+        </p:txBody>
+      </p:sp>
+      <p:sp>
+        <p:nvSpPr>
+          <p:cNvPr id="113" name="Rectangle: Rounded Corners 112">
+            <a:extLst>
+              <a:ext uri="{FF2B5EF4-FFF2-40B4-BE49-F238E27FC236}">
+                <a16:creationId xmlns:a16="http://schemas.microsoft.com/office/drawing/2014/main" id="{72D0443A-E6BE-9312-FC68-B75B53F17E6B}"/>
+              </a:ext>
+            </a:extLst>
+          </p:cNvPr>
+          <p:cNvSpPr/>
+          <p:nvPr/>
+        </p:nvSpPr>
+        <p:spPr>
+          <a:xfrm>
+            <a:off x="9761314" y="5106593"/>
+            <a:ext cx="1621908" cy="436559"/>
+          </a:xfrm>
+          <a:prstGeom prst="roundRect">
+            <a:avLst/>
+          </a:prstGeom>
+        </p:spPr>
+        <p:style>
+          <a:lnRef idx="2">
+            <a:schemeClr val="accent1">
+              <a:shade val="15000"/>
+            </a:schemeClr>
+          </a:lnRef>
+          <a:fillRef idx="1">
+            <a:schemeClr val="accent1"/>
+          </a:fillRef>
+          <a:effectRef idx="0">
+            <a:schemeClr val="accent1"/>
+          </a:effectRef>
+          <a:fontRef idx="minor">
+            <a:schemeClr val="lt1"/>
+          </a:fontRef>
+        </p:style>
+        <p:txBody>
+          <a:bodyPr rtlCol="0" anchor="ctr"/>
+          <a:lstStyle/>
+          <a:p>
+            <a:pPr algn="ctr"/>
+            <a:r>
+              <a:rPr lang="en-US" sz="1400" dirty="0"/>
+              <a:t>Display track art</a:t>
+            </a:r>
+          </a:p>
+        </p:txBody>
+      </p:sp>
+      <p:cxnSp>
+        <p:nvCxnSpPr>
+          <p:cNvPr id="114" name="Straight Arrow Connector 113">
+            <a:extLst>
+              <a:ext uri="{FF2B5EF4-FFF2-40B4-BE49-F238E27FC236}">
+                <a16:creationId xmlns:a16="http://schemas.microsoft.com/office/drawing/2014/main" id="{37343E4A-6E88-91BC-BE6A-A30BF9E19331}"/>
+              </a:ext>
+            </a:extLst>
+          </p:cNvPr>
+          <p:cNvCxnSpPr>
+            <a:cxnSpLocks/>
+            <a:stCxn id="109" idx="3"/>
+            <a:endCxn id="113" idx="1"/>
+          </p:cNvCxnSpPr>
+          <p:nvPr/>
+        </p:nvCxnSpPr>
+        <p:spPr>
+          <a:xfrm flipV="1">
+            <a:off x="9365187" y="5324873"/>
+            <a:ext cx="396127" cy="1"/>
+          </a:xfrm>
+          <a:prstGeom prst="straightConnector1">
+            <a:avLst/>
+          </a:prstGeom>
+          <a:ln w="38100" cap="flat" cmpd="sng" algn="ctr">
+            <a:solidFill>
+              <a:schemeClr val="dk1"/>
+            </a:solidFill>
+            <a:prstDash val="solid"/>
+            <a:round/>
+            <a:headEnd type="none" w="med" len="med"/>
+            <a:tailEnd type="arrow" w="med" len="med"/>
+          </a:ln>
+        </p:spPr>
+        <p:style>
+          <a:lnRef idx="0">
+            <a:scrgbClr r="0" g="0" b="0"/>
+          </a:lnRef>
+          <a:fillRef idx="0">
+            <a:scrgbClr r="0" g="0" b="0"/>
+          </a:fillRef>
+          <a:effectRef idx="0">
+            <a:scrgbClr r="0" g="0" b="0"/>
+          </a:effectRef>
+          <a:fontRef idx="minor">
+            <a:schemeClr val="tx1"/>
+          </a:fontRef>
+        </p:style>
+      </p:cxnSp>
+      <p:cxnSp>
+        <p:nvCxnSpPr>
+          <p:cNvPr id="117" name="Connector: Elbow 116">
+            <a:extLst>
+              <a:ext uri="{FF2B5EF4-FFF2-40B4-BE49-F238E27FC236}">
+                <a16:creationId xmlns:a16="http://schemas.microsoft.com/office/drawing/2014/main" id="{79826CE2-6B5E-25CB-0948-1C78459BE03C}"/>
+              </a:ext>
+            </a:extLst>
+          </p:cNvPr>
+          <p:cNvCxnSpPr>
+            <a:cxnSpLocks/>
+            <a:stCxn id="113" idx="2"/>
+            <a:endCxn id="119" idx="1"/>
+          </p:cNvCxnSpPr>
+          <p:nvPr/>
+        </p:nvCxnSpPr>
+        <p:spPr>
+          <a:xfrm rot="5400000">
+            <a:off x="7915553" y="3569109"/>
+            <a:ext cx="682673" cy="4630758"/>
+          </a:xfrm>
+          <a:prstGeom prst="bentConnector4">
+            <a:avLst>
+              <a:gd name="adj1" fmla="val 27331"/>
+              <a:gd name="adj2" fmla="val 104937"/>
+            </a:avLst>
+          </a:prstGeom>
+          <a:ln w="38100" cap="flat" cmpd="sng" algn="ctr">
+            <a:solidFill>
+              <a:schemeClr val="tx1"/>
+            </a:solidFill>
+            <a:prstDash val="solid"/>
+            <a:round/>
+            <a:headEnd type="none" w="med" len="med"/>
+            <a:tailEnd type="arrow" w="med" len="med"/>
+          </a:ln>
+        </p:spPr>
+        <p:style>
+          <a:lnRef idx="0">
+            <a:scrgbClr r="0" g="0" b="0"/>
+          </a:lnRef>
+          <a:fillRef idx="0">
+            <a:scrgbClr r="0" g="0" b="0"/>
+          </a:fillRef>
+          <a:effectRef idx="0">
+            <a:scrgbClr r="0" g="0" b="0"/>
+          </a:effectRef>
+          <a:fontRef idx="minor">
+            <a:schemeClr val="tx1"/>
+          </a:fontRef>
+        </p:style>
+      </p:cxnSp>
+      <p:sp>
+        <p:nvSpPr>
+          <p:cNvPr id="119" name="Rectangle: Rounded Corners 118">
+            <a:extLst>
+              <a:ext uri="{FF2B5EF4-FFF2-40B4-BE49-F238E27FC236}">
+                <a16:creationId xmlns:a16="http://schemas.microsoft.com/office/drawing/2014/main" id="{33203E84-3A3B-1D75-D103-2C97CB331DFA}"/>
+              </a:ext>
+            </a:extLst>
+          </p:cNvPr>
+          <p:cNvSpPr/>
+          <p:nvPr/>
+        </p:nvSpPr>
+        <p:spPr>
+          <a:xfrm>
+            <a:off x="5941510" y="5916309"/>
+            <a:ext cx="1109970" cy="619032"/>
+          </a:xfrm>
+          <a:prstGeom prst="roundRect">
+            <a:avLst/>
+          </a:prstGeom>
+        </p:spPr>
+        <p:style>
+          <a:lnRef idx="2">
+            <a:schemeClr val="accent1">
+              <a:shade val="15000"/>
+            </a:schemeClr>
+          </a:lnRef>
+          <a:fillRef idx="1">
+            <a:schemeClr val="accent1"/>
+          </a:fillRef>
+          <a:effectRef idx="0">
+            <a:schemeClr val="accent1"/>
+          </a:effectRef>
+          <a:fontRef idx="minor">
+            <a:schemeClr val="lt1"/>
+          </a:fontRef>
+        </p:style>
+        <p:txBody>
+          <a:bodyPr rtlCol="0" anchor="ctr"/>
+          <a:lstStyle/>
+          <a:p>
+            <a:pPr algn="ctr"/>
+            <a:r>
+              <a:rPr lang="en-US" sz="1400" dirty="0"/>
+              <a:t>Get track audio data</a:t>
+            </a:r>
+          </a:p>
+        </p:txBody>
+      </p:sp>
+      <p:sp>
+        <p:nvSpPr>
+          <p:cNvPr id="124" name="Rectangle: Rounded Corners 123">
+            <a:extLst>
+              <a:ext uri="{FF2B5EF4-FFF2-40B4-BE49-F238E27FC236}">
+                <a16:creationId xmlns:a16="http://schemas.microsoft.com/office/drawing/2014/main" id="{B46F1103-7241-3152-2FEC-0D55CD4F7BCC}"/>
+              </a:ext>
+            </a:extLst>
+          </p:cNvPr>
+          <p:cNvSpPr/>
+          <p:nvPr/>
+        </p:nvSpPr>
+        <p:spPr>
+          <a:xfrm>
+            <a:off x="7342067" y="5921777"/>
+            <a:ext cx="1109970" cy="619032"/>
+          </a:xfrm>
+          <a:prstGeom prst="roundRect">
+            <a:avLst/>
+          </a:prstGeom>
+        </p:spPr>
+        <p:style>
+          <a:lnRef idx="2">
+            <a:schemeClr val="accent1">
+              <a:shade val="15000"/>
+            </a:schemeClr>
+          </a:lnRef>
+          <a:fillRef idx="1">
+            <a:schemeClr val="accent1"/>
+          </a:fillRef>
+          <a:effectRef idx="0">
+            <a:schemeClr val="accent1"/>
+          </a:effectRef>
+          <a:fontRef idx="minor">
+            <a:schemeClr val="lt1"/>
+          </a:fontRef>
+        </p:style>
+        <p:txBody>
+          <a:bodyPr rtlCol="0" anchor="ctr"/>
+          <a:lstStyle/>
+          <a:p>
+            <a:pPr algn="ctr"/>
+            <a:r>
+              <a:rPr lang="en-US" sz="1400" dirty="0"/>
+              <a:t>Perform FFT</a:t>
+            </a:r>
+          </a:p>
+        </p:txBody>
+      </p:sp>
+      <p:cxnSp>
+        <p:nvCxnSpPr>
+          <p:cNvPr id="125" name="Straight Arrow Connector 124">
+            <a:extLst>
+              <a:ext uri="{FF2B5EF4-FFF2-40B4-BE49-F238E27FC236}">
+                <a16:creationId xmlns:a16="http://schemas.microsoft.com/office/drawing/2014/main" id="{4DA40951-7FFE-AE67-4762-4174AA738755}"/>
+              </a:ext>
+            </a:extLst>
+          </p:cNvPr>
+          <p:cNvCxnSpPr>
+            <a:cxnSpLocks/>
+            <a:stCxn id="119" idx="3"/>
+            <a:endCxn id="124" idx="1"/>
+          </p:cNvCxnSpPr>
+          <p:nvPr/>
+        </p:nvCxnSpPr>
+        <p:spPr>
+          <a:xfrm>
+            <a:off x="7051480" y="6225825"/>
+            <a:ext cx="290587" cy="5468"/>
+          </a:xfrm>
+          <a:prstGeom prst="straightConnector1">
+            <a:avLst/>
+          </a:prstGeom>
+          <a:ln w="38100" cap="flat" cmpd="sng" algn="ctr">
+            <a:solidFill>
+              <a:schemeClr val="dk1"/>
+            </a:solidFill>
+            <a:prstDash val="solid"/>
+            <a:round/>
+            <a:headEnd type="none" w="med" len="med"/>
+            <a:tailEnd type="arrow" w="med" len="med"/>
+          </a:ln>
+        </p:spPr>
+        <p:style>
+          <a:lnRef idx="0">
+            <a:scrgbClr r="0" g="0" b="0"/>
+          </a:lnRef>
+          <a:fillRef idx="0">
+            <a:scrgbClr r="0" g="0" b="0"/>
+          </a:fillRef>
+          <a:effectRef idx="0">
+            <a:scrgbClr r="0" g="0" b="0"/>
+          </a:effectRef>
+          <a:fontRef idx="minor">
+            <a:schemeClr val="tx1"/>
+          </a:fontRef>
+        </p:style>
+      </p:cxnSp>
+      <p:sp>
+        <p:nvSpPr>
+          <p:cNvPr id="129" name="Rectangle: Rounded Corners 128">
+            <a:extLst>
+              <a:ext uri="{FF2B5EF4-FFF2-40B4-BE49-F238E27FC236}">
+                <a16:creationId xmlns:a16="http://schemas.microsoft.com/office/drawing/2014/main" id="{CF643216-9904-5957-B990-16DB02FBFF54}"/>
+              </a:ext>
+            </a:extLst>
+          </p:cNvPr>
+          <p:cNvSpPr/>
+          <p:nvPr/>
+        </p:nvSpPr>
+        <p:spPr>
+          <a:xfrm>
+            <a:off x="8781543" y="5916309"/>
+            <a:ext cx="1109970" cy="619032"/>
+          </a:xfrm>
+          <a:prstGeom prst="roundRect">
+            <a:avLst/>
+          </a:prstGeom>
+        </p:spPr>
+        <p:style>
+          <a:lnRef idx="2">
+            <a:schemeClr val="accent1">
+              <a:shade val="15000"/>
+            </a:schemeClr>
+          </a:lnRef>
+          <a:fillRef idx="1">
+            <a:schemeClr val="accent1"/>
+          </a:fillRef>
+          <a:effectRef idx="0">
+            <a:schemeClr val="accent1"/>
+          </a:effectRef>
+          <a:fontRef idx="minor">
+            <a:schemeClr val="lt1"/>
+          </a:fontRef>
+        </p:style>
+        <p:txBody>
+          <a:bodyPr rtlCol="0" anchor="ctr"/>
+          <a:lstStyle/>
+          <a:p>
+            <a:pPr algn="ctr"/>
+            <a:r>
+              <a:rPr lang="en-US" sz="1400" dirty="0"/>
+              <a:t>Display waveforms</a:t>
+            </a:r>
+          </a:p>
+        </p:txBody>
+      </p:sp>
+      <p:cxnSp>
+        <p:nvCxnSpPr>
+          <p:cNvPr id="130" name="Straight Arrow Connector 129">
+            <a:extLst>
+              <a:ext uri="{FF2B5EF4-FFF2-40B4-BE49-F238E27FC236}">
+                <a16:creationId xmlns:a16="http://schemas.microsoft.com/office/drawing/2014/main" id="{5E342769-CE08-0E83-1F8F-E3A24D1F1496}"/>
+              </a:ext>
+            </a:extLst>
+          </p:cNvPr>
+          <p:cNvCxnSpPr>
+            <a:cxnSpLocks/>
+            <a:stCxn id="124" idx="3"/>
+            <a:endCxn id="129" idx="1"/>
+          </p:cNvCxnSpPr>
+          <p:nvPr/>
+        </p:nvCxnSpPr>
+        <p:spPr>
+          <a:xfrm flipV="1">
+            <a:off x="8452037" y="6225825"/>
+            <a:ext cx="329506" cy="5468"/>
+          </a:xfrm>
+          <a:prstGeom prst="straightConnector1">
+            <a:avLst/>
+          </a:prstGeom>
+          <a:ln w="38100" cap="flat" cmpd="sng" algn="ctr">
+            <a:solidFill>
+              <a:schemeClr val="dk1"/>
+            </a:solidFill>
+            <a:prstDash val="solid"/>
+            <a:round/>
+            <a:headEnd type="none" w="med" len="med"/>
+            <a:tailEnd type="arrow" w="med" len="med"/>
+          </a:ln>
+        </p:spPr>
+        <p:style>
+          <a:lnRef idx="0">
+            <a:scrgbClr r="0" g="0" b="0"/>
+          </a:lnRef>
+          <a:fillRef idx="0">
+            <a:scrgbClr r="0" g="0" b="0"/>
+          </a:fillRef>
+          <a:effectRef idx="0">
+            <a:scrgbClr r="0" g="0" b="0"/>
+          </a:effectRef>
+          <a:fontRef idx="minor">
+            <a:schemeClr val="tx1"/>
+          </a:fontRef>
+        </p:style>
+      </p:cxnSp>
+      <p:cxnSp>
+        <p:nvCxnSpPr>
+          <p:cNvPr id="139" name="Connector: Elbow 138">
+            <a:extLst>
+              <a:ext uri="{FF2B5EF4-FFF2-40B4-BE49-F238E27FC236}">
+                <a16:creationId xmlns:a16="http://schemas.microsoft.com/office/drawing/2014/main" id="{A8C92B93-97AA-B9C5-A6A6-293F8045B2AB}"/>
+              </a:ext>
+            </a:extLst>
+          </p:cNvPr>
+          <p:cNvCxnSpPr>
+            <a:cxnSpLocks/>
+            <a:stCxn id="67" idx="2"/>
+            <a:endCxn id="67" idx="1"/>
+          </p:cNvCxnSpPr>
+          <p:nvPr/>
+        </p:nvCxnSpPr>
+        <p:spPr>
+          <a:xfrm rot="5400000" flipH="1">
+            <a:off x="5286642" y="3547685"/>
+            <a:ext cx="149829" cy="602812"/>
+          </a:xfrm>
+          <a:prstGeom prst="bentConnector4">
+            <a:avLst>
+              <a:gd name="adj1" fmla="val -152574"/>
+              <a:gd name="adj2" fmla="val 137922"/>
+            </a:avLst>
+          </a:prstGeom>
+          <a:ln w="38100" cap="flat" cmpd="sng" algn="ctr">
+            <a:solidFill>
+              <a:schemeClr val="tx1"/>
+            </a:solidFill>
+            <a:prstDash val="solid"/>
+            <a:round/>
+            <a:headEnd type="none" w="med" len="med"/>
+            <a:tailEnd type="arrow" w="med" len="med"/>
+          </a:ln>
+        </p:spPr>
+        <p:style>
+          <a:lnRef idx="0">
+            <a:scrgbClr r="0" g="0" b="0"/>
+          </a:lnRef>
+          <a:fillRef idx="0">
+            <a:scrgbClr r="0" g="0" b="0"/>
+          </a:fillRef>
+          <a:effectRef idx="0">
+            <a:scrgbClr r="0" g="0" b="0"/>
+          </a:effectRef>
+          <a:fontRef idx="minor">
+            <a:schemeClr val="tx1"/>
+          </a:fontRef>
+        </p:style>
+      </p:cxnSp>
+      <p:sp>
+        <p:nvSpPr>
+          <p:cNvPr id="153" name="TextBox 152">
+            <a:extLst>
+              <a:ext uri="{FF2B5EF4-FFF2-40B4-BE49-F238E27FC236}">
+                <a16:creationId xmlns:a16="http://schemas.microsoft.com/office/drawing/2014/main" id="{73E9FE7A-1766-A968-BE83-67243CFF64D0}"/>
+              </a:ext>
+            </a:extLst>
+          </p:cNvPr>
+          <p:cNvSpPr txBox="1"/>
+          <p:nvPr/>
+        </p:nvSpPr>
+        <p:spPr>
+          <a:xfrm>
+            <a:off x="1879517" y="4541057"/>
+            <a:ext cx="1560390" cy="317870"/>
+          </a:xfrm>
+          <a:prstGeom prst="rect">
+            <a:avLst/>
+          </a:prstGeom>
+          <a:noFill/>
+        </p:spPr>
+        <p:txBody>
+          <a:bodyPr wrap="square" rtlCol="0">
+            <a:spAutoFit/>
+          </a:bodyPr>
+          <a:lstStyle/>
+          <a:p>
+            <a:r>
+              <a:rPr lang="en-US" sz="1400" b="1" dirty="0"/>
+              <a:t>Visualizer class</a:t>
+            </a:r>
+          </a:p>
+        </p:txBody>
+      </p:sp>
+      <p:sp>
+        <p:nvSpPr>
+          <p:cNvPr id="154" name="TextBox 153">
+            <a:extLst>
+              <a:ext uri="{FF2B5EF4-FFF2-40B4-BE49-F238E27FC236}">
+                <a16:creationId xmlns:a16="http://schemas.microsoft.com/office/drawing/2014/main" id="{DCA676B4-A6D1-F858-BDFA-EEE489D619BA}"/>
+              </a:ext>
+            </a:extLst>
+          </p:cNvPr>
+          <p:cNvSpPr txBox="1"/>
+          <p:nvPr/>
+        </p:nvSpPr>
+        <p:spPr>
+          <a:xfrm>
+            <a:off x="4700666" y="4182890"/>
+            <a:ext cx="1205624" cy="307777"/>
+          </a:xfrm>
+          <a:prstGeom prst="rect">
+            <a:avLst/>
+          </a:prstGeom>
+          <a:noFill/>
+        </p:spPr>
+        <p:txBody>
+          <a:bodyPr wrap="square" rtlCol="0">
+            <a:spAutoFit/>
+          </a:bodyPr>
+          <a:lstStyle/>
+          <a:p>
+            <a:r>
+              <a:rPr lang="en-US" sz="1400" dirty="0"/>
+              <a:t>Every song</a:t>
+            </a:r>
+          </a:p>
+        </p:txBody>
+      </p:sp>
+      <p:sp>
+        <p:nvSpPr>
+          <p:cNvPr id="155" name="Rectangle: Rounded Corners 154">
+            <a:extLst>
+              <a:ext uri="{FF2B5EF4-FFF2-40B4-BE49-F238E27FC236}">
+                <a16:creationId xmlns:a16="http://schemas.microsoft.com/office/drawing/2014/main" id="{411EEDC7-BAE2-B025-7524-F5A196E4C3F3}"/>
+              </a:ext>
+            </a:extLst>
+          </p:cNvPr>
+          <p:cNvSpPr/>
+          <p:nvPr/>
+        </p:nvSpPr>
+        <p:spPr>
+          <a:xfrm>
+            <a:off x="10229838" y="5918776"/>
+            <a:ext cx="1109970" cy="619032"/>
+          </a:xfrm>
+          <a:prstGeom prst="roundRect">
+            <a:avLst/>
+          </a:prstGeom>
+        </p:spPr>
+        <p:style>
+          <a:lnRef idx="2">
+            <a:schemeClr val="accent1">
+              <a:shade val="15000"/>
+            </a:schemeClr>
+          </a:lnRef>
+          <a:fillRef idx="1">
+            <a:schemeClr val="accent1"/>
+          </a:fillRef>
+          <a:effectRef idx="0">
+            <a:schemeClr val="accent1"/>
+          </a:effectRef>
+          <a:fontRef idx="minor">
+            <a:schemeClr val="lt1"/>
+          </a:fontRef>
+        </p:style>
+        <p:txBody>
+          <a:bodyPr rtlCol="0" anchor="ctr"/>
+          <a:lstStyle/>
+          <a:p>
+            <a:pPr algn="ctr"/>
+            <a:r>
+              <a:rPr lang="en-US" sz="1400" dirty="0"/>
+              <a:t>Set brightness</a:t>
+            </a:r>
+          </a:p>
+        </p:txBody>
+      </p:sp>
+      <p:cxnSp>
+        <p:nvCxnSpPr>
+          <p:cNvPr id="159" name="Straight Arrow Connector 158">
+            <a:extLst>
+              <a:ext uri="{FF2B5EF4-FFF2-40B4-BE49-F238E27FC236}">
+                <a16:creationId xmlns:a16="http://schemas.microsoft.com/office/drawing/2014/main" id="{B555ED57-B0AA-F281-29BB-074AC096F1E4}"/>
+              </a:ext>
+            </a:extLst>
+          </p:cNvPr>
+          <p:cNvCxnSpPr>
+            <a:cxnSpLocks/>
+            <a:stCxn id="129" idx="3"/>
+            <a:endCxn id="155" idx="1"/>
+          </p:cNvCxnSpPr>
+          <p:nvPr/>
+        </p:nvCxnSpPr>
+        <p:spPr>
+          <a:xfrm>
+            <a:off x="9891513" y="6225825"/>
+            <a:ext cx="338325" cy="2467"/>
+          </a:xfrm>
+          <a:prstGeom prst="straightConnector1">
+            <a:avLst/>
+          </a:prstGeom>
+          <a:ln w="38100" cap="flat" cmpd="sng" algn="ctr">
+            <a:solidFill>
+              <a:schemeClr val="dk1"/>
+            </a:solidFill>
+            <a:prstDash val="solid"/>
+            <a:round/>
+            <a:headEnd type="none" w="med" len="med"/>
+            <a:tailEnd type="arrow" w="med" len="med"/>
+          </a:ln>
+        </p:spPr>
+        <p:style>
+          <a:lnRef idx="0">
+            <a:scrgbClr r="0" g="0" b="0"/>
+          </a:lnRef>
+          <a:fillRef idx="0">
+            <a:scrgbClr r="0" g="0" b="0"/>
+          </a:fillRef>
+          <a:effectRef idx="0">
+            <a:scrgbClr r="0" g="0" b="0"/>
+          </a:effectRef>
+          <a:fontRef idx="minor">
+            <a:schemeClr val="tx1"/>
+          </a:fontRef>
+        </p:style>
+      </p:cxnSp>
+      <p:sp>
+        <p:nvSpPr>
+          <p:cNvPr id="164" name="TextBox 163">
+            <a:extLst>
+              <a:ext uri="{FF2B5EF4-FFF2-40B4-BE49-F238E27FC236}">
+                <a16:creationId xmlns:a16="http://schemas.microsoft.com/office/drawing/2014/main" id="{D33EAA0B-ADDE-16CC-CA53-A1EFAD40BBA2}"/>
+              </a:ext>
+            </a:extLst>
+          </p:cNvPr>
+          <p:cNvSpPr txBox="1"/>
+          <p:nvPr/>
+        </p:nvSpPr>
+        <p:spPr>
+          <a:xfrm>
+            <a:off x="567236" y="4156791"/>
+            <a:ext cx="859416" cy="523220"/>
+          </a:xfrm>
+          <a:prstGeom prst="rect">
+            <a:avLst/>
+          </a:prstGeom>
+          <a:noFill/>
+        </p:spPr>
+        <p:txBody>
+          <a:bodyPr wrap="square" rtlCol="0">
+            <a:spAutoFit/>
+          </a:bodyPr>
+          <a:lstStyle/>
+          <a:p>
+            <a:pPr algn="r"/>
+            <a:r>
+              <a:rPr lang="en-US" sz="1400" dirty="0"/>
+              <a:t>Button pressed</a:t>
+            </a:r>
+          </a:p>
+        </p:txBody>
+      </p:sp>
+      <p:cxnSp>
+        <p:nvCxnSpPr>
+          <p:cNvPr id="165" name="Connector: Elbow 164">
+            <a:extLst>
+              <a:ext uri="{FF2B5EF4-FFF2-40B4-BE49-F238E27FC236}">
+                <a16:creationId xmlns:a16="http://schemas.microsoft.com/office/drawing/2014/main" id="{B2475785-2E5C-AA03-46A7-79AF526C3AB2}"/>
+              </a:ext>
+            </a:extLst>
+          </p:cNvPr>
+          <p:cNvCxnSpPr>
+            <a:cxnSpLocks/>
+          </p:cNvCxnSpPr>
+          <p:nvPr/>
+        </p:nvCxnSpPr>
+        <p:spPr>
+          <a:xfrm flipV="1">
+            <a:off x="11449390" y="1748940"/>
+            <a:ext cx="401417" cy="4476885"/>
+          </a:xfrm>
+          <a:prstGeom prst="bentConnector2">
+            <a:avLst/>
+          </a:prstGeom>
+          <a:ln w="38100" cap="flat" cmpd="sng" algn="ctr">
+            <a:solidFill>
+              <a:srgbClr val="00B050"/>
+            </a:solidFill>
+            <a:prstDash val="solid"/>
+            <a:round/>
+            <a:headEnd type="none" w="med" len="med"/>
+            <a:tailEnd type="arrow" w="med" len="med"/>
+          </a:ln>
+        </p:spPr>
+        <p:style>
+          <a:lnRef idx="0">
+            <a:scrgbClr r="0" g="0" b="0"/>
+          </a:lnRef>
+          <a:fillRef idx="0">
+            <a:scrgbClr r="0" g="0" b="0"/>
+          </a:fillRef>
+          <a:effectRef idx="0">
+            <a:scrgbClr r="0" g="0" b="0"/>
+          </a:effectRef>
+          <a:fontRef idx="minor">
+            <a:schemeClr val="tx1"/>
+          </a:fontRef>
+        </p:style>
+      </p:cxnSp>
+      <p:cxnSp>
+        <p:nvCxnSpPr>
+          <p:cNvPr id="172" name="Straight Arrow Connector 171">
+            <a:extLst>
+              <a:ext uri="{FF2B5EF4-FFF2-40B4-BE49-F238E27FC236}">
+                <a16:creationId xmlns:a16="http://schemas.microsoft.com/office/drawing/2014/main" id="{64AE7B6E-4099-1FA4-45DA-0F7814F482E0}"/>
+              </a:ext>
+            </a:extLst>
+          </p:cNvPr>
+          <p:cNvCxnSpPr>
+            <a:cxnSpLocks/>
+          </p:cNvCxnSpPr>
+          <p:nvPr/>
+        </p:nvCxnSpPr>
+        <p:spPr>
+          <a:xfrm>
+            <a:off x="6096000" y="4030646"/>
+            <a:ext cx="0" cy="808054"/>
+          </a:xfrm>
+          <a:prstGeom prst="straightConnector1">
+            <a:avLst/>
+          </a:prstGeom>
+          <a:ln w="38100" cap="flat" cmpd="sng" algn="ctr">
+            <a:solidFill>
+              <a:srgbClr val="00B050"/>
+            </a:solidFill>
+            <a:prstDash val="solid"/>
+            <a:round/>
+            <a:headEnd type="none" w="med" len="med"/>
+            <a:tailEnd type="arrow" w="med" len="med"/>
+          </a:ln>
+        </p:spPr>
+        <p:style>
+          <a:lnRef idx="0">
+            <a:scrgbClr r="0" g="0" b="0"/>
+          </a:lnRef>
+          <a:fillRef idx="0">
+            <a:scrgbClr r="0" g="0" b="0"/>
+          </a:fillRef>
+          <a:effectRef idx="0">
+            <a:scrgbClr r="0" g="0" b="0"/>
+          </a:effectRef>
+          <a:fontRef idx="minor">
+            <a:schemeClr val="tx1"/>
+          </a:fontRef>
+        </p:style>
+      </p:cxnSp>
+      <p:cxnSp>
+        <p:nvCxnSpPr>
+          <p:cNvPr id="180" name="Straight Arrow Connector 179">
+            <a:extLst>
+              <a:ext uri="{FF2B5EF4-FFF2-40B4-BE49-F238E27FC236}">
+                <a16:creationId xmlns:a16="http://schemas.microsoft.com/office/drawing/2014/main" id="{9FE6AF96-E23A-A0B4-9115-C05799AE62A9}"/>
+              </a:ext>
+            </a:extLst>
+          </p:cNvPr>
+          <p:cNvCxnSpPr>
+            <a:cxnSpLocks/>
+            <a:stCxn id="3" idx="2"/>
+            <a:endCxn id="18" idx="0"/>
+          </p:cNvCxnSpPr>
+          <p:nvPr/>
+        </p:nvCxnSpPr>
+        <p:spPr>
+          <a:xfrm>
+            <a:off x="5662962" y="1361260"/>
+            <a:ext cx="0" cy="334187"/>
+          </a:xfrm>
+          <a:prstGeom prst="straightConnector1">
+            <a:avLst/>
+          </a:prstGeom>
+          <a:ln w="38100" cap="flat" cmpd="sng" algn="ctr">
+            <a:solidFill>
+              <a:schemeClr val="dk1"/>
+            </a:solidFill>
+            <a:prstDash val="solid"/>
+            <a:round/>
+            <a:headEnd type="none" w="med" len="med"/>
+            <a:tailEnd type="arrow" w="med" len="med"/>
+          </a:ln>
+        </p:spPr>
+        <p:style>
+          <a:lnRef idx="0">
+            <a:scrgbClr r="0" g="0" b="0"/>
+          </a:lnRef>
+          <a:fillRef idx="0">
+            <a:scrgbClr r="0" g="0" b="0"/>
+          </a:fillRef>
+          <a:effectRef idx="0">
+            <a:scrgbClr r="0" g="0" b="0"/>
+          </a:effectRef>
+          <a:fontRef idx="minor">
+            <a:schemeClr val="tx1"/>
+          </a:fontRef>
+        </p:style>
+      </p:cxnSp>
+      <p:sp>
+        <p:nvSpPr>
+          <p:cNvPr id="281" name="Rectangle: Rounded Corners 280">
+            <a:extLst>
+              <a:ext uri="{FF2B5EF4-FFF2-40B4-BE49-F238E27FC236}">
+                <a16:creationId xmlns:a16="http://schemas.microsoft.com/office/drawing/2014/main" id="{E75F96B2-D4B2-2E33-6D4A-6B58F7D8AC07}"/>
+              </a:ext>
+            </a:extLst>
+          </p:cNvPr>
+          <p:cNvSpPr/>
+          <p:nvPr/>
+        </p:nvSpPr>
+        <p:spPr>
+          <a:xfrm>
+            <a:off x="813608" y="5089276"/>
+            <a:ext cx="1243792" cy="429582"/>
+          </a:xfrm>
+          <a:prstGeom prst="roundRect">
+            <a:avLst/>
+          </a:prstGeom>
+        </p:spPr>
+        <p:style>
+          <a:lnRef idx="2">
+            <a:schemeClr val="accent1">
+              <a:shade val="15000"/>
+            </a:schemeClr>
+          </a:lnRef>
+          <a:fillRef idx="1">
+            <a:schemeClr val="accent1"/>
+          </a:fillRef>
+          <a:effectRef idx="0">
+            <a:schemeClr val="accent1"/>
+          </a:effectRef>
+          <a:fontRef idx="minor">
+            <a:schemeClr val="lt1"/>
+          </a:fontRef>
+        </p:style>
+        <p:txBody>
+          <a:bodyPr rtlCol="0" anchor="ctr"/>
+          <a:lstStyle/>
+          <a:p>
+            <a:pPr algn="ctr"/>
+            <a:r>
+              <a:rPr lang="en-US" sz="1400" dirty="0"/>
+              <a:t>Button press</a:t>
+            </a:r>
+          </a:p>
+        </p:txBody>
+      </p:sp>
+      <p:cxnSp>
+        <p:nvCxnSpPr>
+          <p:cNvPr id="284" name="Straight Arrow Connector 283">
+            <a:extLst>
+              <a:ext uri="{FF2B5EF4-FFF2-40B4-BE49-F238E27FC236}">
+                <a16:creationId xmlns:a16="http://schemas.microsoft.com/office/drawing/2014/main" id="{28D95ADE-117D-9F53-10EB-A6FC6BEC2D00}"/>
+              </a:ext>
+            </a:extLst>
+          </p:cNvPr>
+          <p:cNvCxnSpPr>
+            <a:cxnSpLocks/>
+            <a:stCxn id="281" idx="3"/>
+          </p:cNvCxnSpPr>
+          <p:nvPr/>
+        </p:nvCxnSpPr>
+        <p:spPr>
+          <a:xfrm>
+            <a:off x="2057400" y="5304067"/>
+            <a:ext cx="1228526" cy="0"/>
+          </a:xfrm>
+          <a:prstGeom prst="straightConnector1">
+            <a:avLst/>
+          </a:prstGeom>
+          <a:ln w="38100" cap="flat" cmpd="sng" algn="ctr">
+            <a:solidFill>
+              <a:schemeClr val="dk1"/>
+            </a:solidFill>
+            <a:prstDash val="solid"/>
+            <a:round/>
+            <a:headEnd type="none" w="med" len="med"/>
+            <a:tailEnd type="arrow" w="med" len="med"/>
+          </a:ln>
+        </p:spPr>
+        <p:style>
+          <a:lnRef idx="0">
+            <a:scrgbClr r="0" g="0" b="0"/>
+          </a:lnRef>
+          <a:fillRef idx="0">
+            <a:scrgbClr r="0" g="0" b="0"/>
+          </a:fillRef>
+          <a:effectRef idx="0">
+            <a:scrgbClr r="0" g="0" b="0"/>
+          </a:effectRef>
+          <a:fontRef idx="minor">
+            <a:schemeClr val="tx1"/>
+          </a:fontRef>
+        </p:style>
+      </p:cxnSp>
+      <p:cxnSp>
+        <p:nvCxnSpPr>
+          <p:cNvPr id="294" name="Straight Arrow Connector 293">
+            <a:extLst>
+              <a:ext uri="{FF2B5EF4-FFF2-40B4-BE49-F238E27FC236}">
+                <a16:creationId xmlns:a16="http://schemas.microsoft.com/office/drawing/2014/main" id="{DF25D9B5-B724-5F01-7CAF-EC7F7AACE03D}"/>
+              </a:ext>
+            </a:extLst>
+          </p:cNvPr>
+          <p:cNvCxnSpPr>
+            <a:cxnSpLocks/>
+            <a:stCxn id="281" idx="2"/>
+            <a:endCxn id="297" idx="0"/>
+          </p:cNvCxnSpPr>
+          <p:nvPr/>
+        </p:nvCxnSpPr>
+        <p:spPr>
+          <a:xfrm>
+            <a:off x="1435504" y="5518858"/>
+            <a:ext cx="0" cy="628396"/>
+          </a:xfrm>
+          <a:prstGeom prst="straightConnector1">
+            <a:avLst/>
+          </a:prstGeom>
+          <a:ln w="38100" cap="flat" cmpd="sng" algn="ctr">
+            <a:solidFill>
+              <a:schemeClr val="dk1"/>
+            </a:solidFill>
+            <a:prstDash val="solid"/>
+            <a:round/>
+            <a:headEnd type="none" w="med" len="med"/>
+            <a:tailEnd type="arrow" w="med" len="med"/>
+          </a:ln>
+        </p:spPr>
+        <p:style>
+          <a:lnRef idx="0">
+            <a:scrgbClr r="0" g="0" b="0"/>
+          </a:lnRef>
+          <a:fillRef idx="0">
+            <a:scrgbClr r="0" g="0" b="0"/>
+          </a:fillRef>
+          <a:effectRef idx="0">
+            <a:scrgbClr r="0" g="0" b="0"/>
+          </a:effectRef>
+          <a:fontRef idx="minor">
+            <a:schemeClr val="tx1"/>
+          </a:fontRef>
+        </p:style>
+      </p:cxnSp>
+      <p:sp>
+        <p:nvSpPr>
+          <p:cNvPr id="297" name="Rectangle: Rounded Corners 296">
+            <a:extLst>
+              <a:ext uri="{FF2B5EF4-FFF2-40B4-BE49-F238E27FC236}">
+                <a16:creationId xmlns:a16="http://schemas.microsoft.com/office/drawing/2014/main" id="{151EBFD2-2DA7-56AD-0A75-10D27271252B}"/>
+              </a:ext>
+            </a:extLst>
+          </p:cNvPr>
+          <p:cNvSpPr/>
+          <p:nvPr/>
+        </p:nvSpPr>
+        <p:spPr>
+          <a:xfrm>
+            <a:off x="908756" y="6147254"/>
+            <a:ext cx="1053496" cy="351669"/>
+          </a:xfrm>
+          <a:prstGeom prst="roundRect">
+            <a:avLst/>
+          </a:prstGeom>
+        </p:spPr>
+        <p:style>
+          <a:lnRef idx="2">
+            <a:schemeClr val="accent1">
+              <a:shade val="15000"/>
+            </a:schemeClr>
+          </a:lnRef>
+          <a:fillRef idx="1">
+            <a:schemeClr val="accent1"/>
+          </a:fillRef>
+          <a:effectRef idx="0">
+            <a:schemeClr val="accent1"/>
+          </a:effectRef>
+          <a:fontRef idx="minor">
+            <a:schemeClr val="lt1"/>
+          </a:fontRef>
+        </p:style>
+        <p:txBody>
+          <a:bodyPr rtlCol="0" anchor="ctr"/>
+          <a:lstStyle/>
+          <a:p>
+            <a:pPr algn="ctr"/>
+            <a:r>
+              <a:rPr lang="en-US" sz="1400" dirty="0"/>
+              <a:t>Skip song</a:t>
+            </a:r>
+          </a:p>
+        </p:txBody>
+      </p:sp>
+      <p:sp>
+        <p:nvSpPr>
+          <p:cNvPr id="298" name="TextBox 297">
+            <a:extLst>
+              <a:ext uri="{FF2B5EF4-FFF2-40B4-BE49-F238E27FC236}">
+                <a16:creationId xmlns:a16="http://schemas.microsoft.com/office/drawing/2014/main" id="{2AF11B86-C8CF-85C5-D401-0597ADA520BB}"/>
+              </a:ext>
+            </a:extLst>
+          </p:cNvPr>
+          <p:cNvSpPr txBox="1"/>
+          <p:nvPr/>
+        </p:nvSpPr>
+        <p:spPr>
+          <a:xfrm>
+            <a:off x="1994191" y="4965036"/>
+            <a:ext cx="1333500" cy="307777"/>
+          </a:xfrm>
+          <a:prstGeom prst="rect">
+            <a:avLst/>
+          </a:prstGeom>
+          <a:noFill/>
+        </p:spPr>
+        <p:txBody>
+          <a:bodyPr wrap="square" rtlCol="0">
+            <a:spAutoFit/>
+          </a:bodyPr>
+          <a:lstStyle/>
+          <a:p>
+            <a:r>
+              <a:rPr lang="en-US" sz="1400" dirty="0"/>
+              <a:t>Single press</a:t>
+            </a:r>
+          </a:p>
+        </p:txBody>
+      </p:sp>
+      <p:sp>
+        <p:nvSpPr>
+          <p:cNvPr id="301" name="TextBox 300">
+            <a:extLst>
+              <a:ext uri="{FF2B5EF4-FFF2-40B4-BE49-F238E27FC236}">
+                <a16:creationId xmlns:a16="http://schemas.microsoft.com/office/drawing/2014/main" id="{9842202D-9A0E-533F-F310-123F6483226F}"/>
+              </a:ext>
+            </a:extLst>
+          </p:cNvPr>
+          <p:cNvSpPr txBox="1"/>
+          <p:nvPr/>
+        </p:nvSpPr>
+        <p:spPr>
+          <a:xfrm>
+            <a:off x="668592" y="5560517"/>
+            <a:ext cx="767539" cy="523220"/>
+          </a:xfrm>
+          <a:prstGeom prst="rect">
+            <a:avLst/>
+          </a:prstGeom>
+          <a:noFill/>
+        </p:spPr>
+        <p:txBody>
+          <a:bodyPr wrap="square" rtlCol="0">
+            <a:spAutoFit/>
+          </a:bodyPr>
+          <a:lstStyle/>
+          <a:p>
+            <a:r>
+              <a:rPr lang="en-US" sz="1400" dirty="0"/>
+              <a:t>Double press</a:t>
+            </a:r>
+          </a:p>
+        </p:txBody>
+      </p:sp>
+      <p:cxnSp>
+        <p:nvCxnSpPr>
+          <p:cNvPr id="303" name="Straight Arrow Connector 302">
+            <a:extLst>
+              <a:ext uri="{FF2B5EF4-FFF2-40B4-BE49-F238E27FC236}">
+                <a16:creationId xmlns:a16="http://schemas.microsoft.com/office/drawing/2014/main" id="{A352532F-152C-CADC-5AA6-B5A8803B174D}"/>
+              </a:ext>
+            </a:extLst>
+          </p:cNvPr>
+          <p:cNvCxnSpPr>
+            <a:cxnSpLocks/>
+            <a:endCxn id="317" idx="1"/>
+          </p:cNvCxnSpPr>
+          <p:nvPr/>
+        </p:nvCxnSpPr>
+        <p:spPr>
+          <a:xfrm>
+            <a:off x="3282258" y="5324861"/>
+            <a:ext cx="908881" cy="0"/>
+          </a:xfrm>
+          <a:prstGeom prst="straightConnector1">
+            <a:avLst/>
+          </a:prstGeom>
+          <a:ln w="38100" cap="flat" cmpd="sng" algn="ctr">
+            <a:solidFill>
+              <a:schemeClr val="dk1"/>
+            </a:solidFill>
+            <a:prstDash val="solid"/>
+            <a:round/>
+            <a:headEnd type="none" w="med" len="med"/>
+            <a:tailEnd type="arrow" w="med" len="med"/>
+          </a:ln>
+        </p:spPr>
+        <p:style>
+          <a:lnRef idx="0">
+            <a:scrgbClr r="0" g="0" b="0"/>
+          </a:lnRef>
+          <a:fillRef idx="0">
+            <a:scrgbClr r="0" g="0" b="0"/>
+          </a:fillRef>
+          <a:effectRef idx="0">
+            <a:scrgbClr r="0" g="0" b="0"/>
+          </a:effectRef>
+          <a:fontRef idx="minor">
+            <a:schemeClr val="tx1"/>
+          </a:fontRef>
+        </p:style>
+      </p:cxnSp>
+      <p:cxnSp>
+        <p:nvCxnSpPr>
+          <p:cNvPr id="310" name="Connector: Elbow 309">
+            <a:extLst>
+              <a:ext uri="{FF2B5EF4-FFF2-40B4-BE49-F238E27FC236}">
+                <a16:creationId xmlns:a16="http://schemas.microsoft.com/office/drawing/2014/main" id="{BEEF84CB-BF54-0502-3A5B-66486D105977}"/>
+              </a:ext>
+            </a:extLst>
+          </p:cNvPr>
+          <p:cNvCxnSpPr>
+            <a:cxnSpLocks/>
+          </p:cNvCxnSpPr>
+          <p:nvPr/>
+        </p:nvCxnSpPr>
+        <p:spPr>
+          <a:xfrm rot="16200000" flipH="1">
+            <a:off x="3498894" y="5105505"/>
+            <a:ext cx="459093" cy="898893"/>
+          </a:xfrm>
+          <a:prstGeom prst="bentConnector2">
+            <a:avLst/>
+          </a:prstGeom>
+          <a:ln w="38100" cap="flat" cmpd="sng" algn="ctr">
+            <a:solidFill>
+              <a:schemeClr val="tx1"/>
+            </a:solidFill>
+            <a:prstDash val="solid"/>
+            <a:round/>
+            <a:headEnd type="none" w="med" len="med"/>
+            <a:tailEnd type="arrow" w="med" len="med"/>
+          </a:ln>
+        </p:spPr>
+        <p:style>
+          <a:lnRef idx="0">
+            <a:scrgbClr r="0" g="0" b="0"/>
+          </a:lnRef>
+          <a:fillRef idx="0">
+            <a:scrgbClr r="0" g="0" b="0"/>
+          </a:fillRef>
+          <a:effectRef idx="0">
+            <a:scrgbClr r="0" g="0" b="0"/>
+          </a:effectRef>
+          <a:fontRef idx="minor">
+            <a:schemeClr val="tx1"/>
+          </a:fontRef>
+        </p:style>
+      </p:cxnSp>
+      <p:sp>
+        <p:nvSpPr>
+          <p:cNvPr id="315" name="TextBox 314">
+            <a:extLst>
+              <a:ext uri="{FF2B5EF4-FFF2-40B4-BE49-F238E27FC236}">
+                <a16:creationId xmlns:a16="http://schemas.microsoft.com/office/drawing/2014/main" id="{D4FCE3E1-4A1E-1D92-ABEE-9EA2ED26A139}"/>
+              </a:ext>
+            </a:extLst>
+          </p:cNvPr>
+          <p:cNvSpPr txBox="1"/>
+          <p:nvPr/>
+        </p:nvSpPr>
+        <p:spPr>
+          <a:xfrm>
+            <a:off x="3048238" y="4957003"/>
+            <a:ext cx="1333500" cy="307777"/>
+          </a:xfrm>
+          <a:prstGeom prst="rect">
+            <a:avLst/>
+          </a:prstGeom>
+          <a:noFill/>
+        </p:spPr>
+        <p:txBody>
+          <a:bodyPr wrap="square" rtlCol="0">
+            <a:spAutoFit/>
+          </a:bodyPr>
+          <a:lstStyle/>
+          <a:p>
+            <a:r>
+              <a:rPr lang="en-US" sz="1400" dirty="0"/>
+              <a:t>Song playing</a:t>
+            </a:r>
+          </a:p>
+        </p:txBody>
+      </p:sp>
+      <p:sp>
+        <p:nvSpPr>
+          <p:cNvPr id="316" name="TextBox 315">
+            <a:extLst>
+              <a:ext uri="{FF2B5EF4-FFF2-40B4-BE49-F238E27FC236}">
+                <a16:creationId xmlns:a16="http://schemas.microsoft.com/office/drawing/2014/main" id="{09797C59-2A26-A10D-A1E7-71A607F69E20}"/>
+              </a:ext>
+            </a:extLst>
+          </p:cNvPr>
+          <p:cNvSpPr txBox="1"/>
+          <p:nvPr/>
+        </p:nvSpPr>
+        <p:spPr>
+          <a:xfrm>
+            <a:off x="2812680" y="5792607"/>
+            <a:ext cx="1333500" cy="307777"/>
+          </a:xfrm>
+          <a:prstGeom prst="rect">
+            <a:avLst/>
+          </a:prstGeom>
+          <a:noFill/>
+        </p:spPr>
+        <p:txBody>
+          <a:bodyPr wrap="square" rtlCol="0">
+            <a:spAutoFit/>
+          </a:bodyPr>
+          <a:lstStyle/>
+          <a:p>
+            <a:r>
+              <a:rPr lang="en-US" sz="1400" dirty="0"/>
+              <a:t>Song paused</a:t>
+            </a:r>
+          </a:p>
+        </p:txBody>
+      </p:sp>
+      <p:sp>
+        <p:nvSpPr>
+          <p:cNvPr id="317" name="Rectangle: Rounded Corners 316">
+            <a:extLst>
+              <a:ext uri="{FF2B5EF4-FFF2-40B4-BE49-F238E27FC236}">
+                <a16:creationId xmlns:a16="http://schemas.microsoft.com/office/drawing/2014/main" id="{12ABB687-792A-5F6F-AAD2-9ADD11E94B2C}"/>
+              </a:ext>
+            </a:extLst>
+          </p:cNvPr>
+          <p:cNvSpPr/>
+          <p:nvPr/>
+        </p:nvSpPr>
+        <p:spPr>
+          <a:xfrm>
+            <a:off x="4191139" y="5110070"/>
+            <a:ext cx="1053496" cy="429582"/>
+          </a:xfrm>
+          <a:prstGeom prst="roundRect">
+            <a:avLst/>
+          </a:prstGeom>
+        </p:spPr>
+        <p:style>
+          <a:lnRef idx="2">
+            <a:schemeClr val="accent1">
+              <a:shade val="15000"/>
+            </a:schemeClr>
+          </a:lnRef>
+          <a:fillRef idx="1">
+            <a:schemeClr val="accent1"/>
+          </a:fillRef>
+          <a:effectRef idx="0">
+            <a:schemeClr val="accent1"/>
+          </a:effectRef>
+          <a:fontRef idx="minor">
+            <a:schemeClr val="lt1"/>
+          </a:fontRef>
+        </p:style>
+        <p:txBody>
+          <a:bodyPr rtlCol="0" anchor="ctr"/>
+          <a:lstStyle/>
+          <a:p>
+            <a:pPr algn="ctr"/>
+            <a:r>
+              <a:rPr lang="en-US" sz="1400" dirty="0"/>
+              <a:t>Play song</a:t>
+            </a:r>
+          </a:p>
+        </p:txBody>
+      </p:sp>
+      <p:sp>
+        <p:nvSpPr>
+          <p:cNvPr id="324" name="Rectangle: Rounded Corners 323">
+            <a:extLst>
+              <a:ext uri="{FF2B5EF4-FFF2-40B4-BE49-F238E27FC236}">
+                <a16:creationId xmlns:a16="http://schemas.microsoft.com/office/drawing/2014/main" id="{DAEA6899-5D1A-C570-58FF-4A857C4B9A07}"/>
+              </a:ext>
+            </a:extLst>
+          </p:cNvPr>
+          <p:cNvSpPr/>
+          <p:nvPr/>
+        </p:nvSpPr>
+        <p:spPr>
+          <a:xfrm>
+            <a:off x="4190404" y="5630012"/>
+            <a:ext cx="1177369" cy="429582"/>
+          </a:xfrm>
+          <a:prstGeom prst="roundRect">
+            <a:avLst/>
+          </a:prstGeom>
+        </p:spPr>
+        <p:style>
+          <a:lnRef idx="2">
+            <a:schemeClr val="accent1">
+              <a:shade val="15000"/>
+            </a:schemeClr>
+          </a:lnRef>
+          <a:fillRef idx="1">
+            <a:schemeClr val="accent1"/>
+          </a:fillRef>
+          <a:effectRef idx="0">
+            <a:schemeClr val="accent1"/>
+          </a:effectRef>
+          <a:fontRef idx="minor">
+            <a:schemeClr val="lt1"/>
+          </a:fontRef>
+        </p:style>
+        <p:txBody>
+          <a:bodyPr rtlCol="0" anchor="ctr"/>
+          <a:lstStyle/>
+          <a:p>
+            <a:pPr algn="ctr"/>
+            <a:r>
+              <a:rPr lang="en-US" sz="1400" dirty="0"/>
+              <a:t>Pause song</a:t>
+            </a:r>
+          </a:p>
+        </p:txBody>
+      </p:sp>
+      <p:cxnSp>
+        <p:nvCxnSpPr>
+          <p:cNvPr id="333" name="Connector: Elbow 332">
+            <a:extLst>
+              <a:ext uri="{FF2B5EF4-FFF2-40B4-BE49-F238E27FC236}">
+                <a16:creationId xmlns:a16="http://schemas.microsoft.com/office/drawing/2014/main" id="{8B958907-021C-1BE7-37BC-3D01ED649BF8}"/>
+              </a:ext>
+            </a:extLst>
+          </p:cNvPr>
+          <p:cNvCxnSpPr>
+            <a:cxnSpLocks/>
+          </p:cNvCxnSpPr>
+          <p:nvPr/>
+        </p:nvCxnSpPr>
+        <p:spPr>
+          <a:xfrm rot="16200000" flipH="1">
+            <a:off x="1768009" y="5538795"/>
+            <a:ext cx="670874" cy="631001"/>
+          </a:xfrm>
+          <a:prstGeom prst="bentConnector3">
+            <a:avLst>
+              <a:gd name="adj1" fmla="val 50000"/>
+            </a:avLst>
+          </a:prstGeom>
+          <a:ln w="38100" cap="flat" cmpd="sng" algn="ctr">
+            <a:solidFill>
+              <a:schemeClr val="tx1"/>
+            </a:solidFill>
+            <a:prstDash val="solid"/>
+            <a:round/>
+            <a:headEnd type="none" w="med" len="med"/>
+            <a:tailEnd type="arrow" w="med" len="med"/>
+          </a:ln>
+        </p:spPr>
+        <p:style>
+          <a:lnRef idx="0">
+            <a:scrgbClr r="0" g="0" b="0"/>
+          </a:lnRef>
+          <a:fillRef idx="0">
+            <a:scrgbClr r="0" g="0" b="0"/>
+          </a:fillRef>
+          <a:effectRef idx="0">
+            <a:scrgbClr r="0" g="0" b="0"/>
+          </a:effectRef>
+          <a:fontRef idx="minor">
+            <a:schemeClr val="tx1"/>
+          </a:fontRef>
+        </p:style>
+      </p:cxnSp>
+      <p:sp>
+        <p:nvSpPr>
+          <p:cNvPr id="342" name="Rectangle: Rounded Corners 341">
+            <a:extLst>
+              <a:ext uri="{FF2B5EF4-FFF2-40B4-BE49-F238E27FC236}">
+                <a16:creationId xmlns:a16="http://schemas.microsoft.com/office/drawing/2014/main" id="{9A9A0BD3-12D0-AEB3-D1C8-6C78CB2936B9}"/>
+              </a:ext>
+            </a:extLst>
+          </p:cNvPr>
+          <p:cNvSpPr/>
+          <p:nvPr/>
+        </p:nvSpPr>
+        <p:spPr>
+          <a:xfrm>
+            <a:off x="2135967" y="6147254"/>
+            <a:ext cx="1383741" cy="334463"/>
+          </a:xfrm>
+          <a:prstGeom prst="roundRect">
+            <a:avLst/>
+          </a:prstGeom>
+        </p:spPr>
+        <p:style>
+          <a:lnRef idx="2">
+            <a:schemeClr val="accent1">
+              <a:shade val="15000"/>
+            </a:schemeClr>
+          </a:lnRef>
+          <a:fillRef idx="1">
+            <a:schemeClr val="accent1"/>
+          </a:fillRef>
+          <a:effectRef idx="0">
+            <a:schemeClr val="accent1"/>
+          </a:effectRef>
+          <a:fontRef idx="minor">
+            <a:schemeClr val="lt1"/>
+          </a:fontRef>
+        </p:style>
+        <p:txBody>
+          <a:bodyPr rtlCol="0" anchor="ctr"/>
+          <a:lstStyle/>
+          <a:p>
+            <a:pPr algn="ctr"/>
+            <a:r>
+              <a:rPr lang="en-US" sz="1400" dirty="0"/>
+              <a:t>Previous song</a:t>
+            </a:r>
+          </a:p>
+        </p:txBody>
+      </p:sp>
+      <p:cxnSp>
+        <p:nvCxnSpPr>
+          <p:cNvPr id="344" name="Straight Arrow Connector 343">
+            <a:extLst>
+              <a:ext uri="{FF2B5EF4-FFF2-40B4-BE49-F238E27FC236}">
+                <a16:creationId xmlns:a16="http://schemas.microsoft.com/office/drawing/2014/main" id="{1EAE9143-536F-80C4-DEE2-E446EF84A37A}"/>
+              </a:ext>
+            </a:extLst>
+          </p:cNvPr>
+          <p:cNvCxnSpPr>
+            <a:cxnSpLocks/>
+          </p:cNvCxnSpPr>
+          <p:nvPr/>
+        </p:nvCxnSpPr>
+        <p:spPr>
+          <a:xfrm>
+            <a:off x="1435504" y="4182890"/>
+            <a:ext cx="0" cy="680054"/>
+          </a:xfrm>
+          <a:prstGeom prst="straightConnector1">
+            <a:avLst/>
+          </a:prstGeom>
+          <a:ln w="38100" cap="flat" cmpd="sng" algn="ctr">
+            <a:solidFill>
+              <a:schemeClr val="dk1"/>
+            </a:solidFill>
+            <a:prstDash val="solid"/>
+            <a:round/>
+            <a:headEnd type="none" w="med" len="med"/>
+            <a:tailEnd type="arrow" w="med" len="med"/>
+          </a:ln>
+        </p:spPr>
+        <p:style>
+          <a:lnRef idx="0">
+            <a:scrgbClr r="0" g="0" b="0"/>
+          </a:lnRef>
+          <a:fillRef idx="0">
+            <a:scrgbClr r="0" g="0" b="0"/>
+          </a:fillRef>
+          <a:effectRef idx="0">
+            <a:scrgbClr r="0" g="0" b="0"/>
+          </a:effectRef>
+          <a:fontRef idx="minor">
+            <a:schemeClr val="tx1"/>
+          </a:fontRef>
+        </p:style>
+      </p:cxnSp>
+      <p:sp>
+        <p:nvSpPr>
+          <p:cNvPr id="346" name="TextBox 345">
+            <a:extLst>
+              <a:ext uri="{FF2B5EF4-FFF2-40B4-BE49-F238E27FC236}">
+                <a16:creationId xmlns:a16="http://schemas.microsoft.com/office/drawing/2014/main" id="{3773CFCA-E992-BB64-A794-6598C53DC9FB}"/>
+              </a:ext>
+            </a:extLst>
+          </p:cNvPr>
+          <p:cNvSpPr txBox="1"/>
+          <p:nvPr/>
+        </p:nvSpPr>
+        <p:spPr>
+          <a:xfrm>
+            <a:off x="1786497" y="5529166"/>
+            <a:ext cx="1156781" cy="307776"/>
+          </a:xfrm>
+          <a:prstGeom prst="rect">
+            <a:avLst/>
+          </a:prstGeom>
+          <a:noFill/>
+        </p:spPr>
+        <p:txBody>
+          <a:bodyPr wrap="square" rtlCol="0">
+            <a:spAutoFit/>
+          </a:bodyPr>
+          <a:lstStyle/>
+          <a:p>
+            <a:r>
+              <a:rPr lang="en-US" sz="1400" dirty="0"/>
+              <a:t>Triple press</a:t>
+            </a:r>
+          </a:p>
+        </p:txBody>
+      </p:sp>
+    </p:spTree>
+    <p:extLst>
+      <p:ext uri="{BB962C8B-B14F-4D97-AF65-F5344CB8AC3E}">
+        <p14:creationId xmlns:p14="http://schemas.microsoft.com/office/powerpoint/2010/main" val="3284450121"/>
+      </p:ext>
+    </p:extLst>
+  </p:cSld>
+  <p:clrMapOvr>
+    <a:masterClrMapping/>
+  </p:clrMapOvr>
+  <mc:AlternateContent xmlns:mc="http://schemas.openxmlformats.org/markup-compatibility/2006" xmlns:p14="http://schemas.microsoft.com/office/powerpoint/2010/main">
+    <mc:Choice Requires="p14">
+      <p:transition spd="med" p14:dur="700">
+        <p:fade/>
+      </p:transition>
+    </mc:Choice>
+    <mc:Fallback xmlns="">
+      <p:transition spd="med">
+        <p:fade/>
+      </p:transition>
+    </mc:Fallback>
+  </mc:AlternateContent>
+</p:sld>
+</file>
+
 <file path=ppt/theme/theme1.xml><?xml version="1.0" encoding="utf-8"?>
 <a:theme xmlns:a="http://schemas.openxmlformats.org/drawingml/2006/main" name="Diamond Grid 16x9">
   <a:themeElements>
